--- a/Challenge_Team1.pptx
+++ b/Challenge_Team1.pptx
@@ -5,18 +5,16 @@
     <p:sldMasterId id="2147483648" r:id="rId1"/>
   </p:sldMasterIdLst>
   <p:notesMasterIdLst>
-    <p:notesMasterId r:id="rId8"/>
+    <p:notesMasterId r:id="rId6"/>
   </p:notesMasterIdLst>
   <p:handoutMasterIdLst>
-    <p:handoutMasterId r:id="rId9"/>
+    <p:handoutMasterId r:id="rId7"/>
   </p:handoutMasterIdLst>
   <p:sldIdLst>
     <p:sldId id="256" r:id="rId2"/>
     <p:sldId id="271" r:id="rId3"/>
     <p:sldId id="272" r:id="rId4"/>
     <p:sldId id="273" r:id="rId5"/>
-    <p:sldId id="274" r:id="rId6"/>
-    <p:sldId id="275" r:id="rId7"/>
   </p:sldIdLst>
   <p:sldSz cx="12192000" cy="6858000"/>
   <p:notesSz cx="6858000" cy="9144000"/>
@@ -220,7 +218,7 @@
           <a:p>
             <a:fld id="{30319E99-684A-4848-AC18-DF22AACC6AD2}" type="datetimeFigureOut">
               <a:rPr lang="en-US" smtClean="0"/>
-              <a:t>3/13/22</a:t>
+              <a:t>3/14/22</a:t>
             </a:fld>
             <a:endParaRPr lang="en-US"/>
           </a:p>
@@ -397,7 +395,7 @@
           <a:p>
             <a:fld id="{9CBA8472-4482-C946-AA49-92B9FCC08827}" type="datetimeFigureOut">
               <a:rPr lang="en-US" smtClean="0"/>
-              <a:t>3/13/22</a:t>
+              <a:t>3/14/22</a:t>
             </a:fld>
             <a:endParaRPr lang="en-US"/>
           </a:p>
@@ -827,7 +825,7 @@
           <a:p>
             <a:fld id="{9C979A01-2314-0941-9B8B-661DB77A110C}" type="datetime4">
               <a:rPr lang="en-US" smtClean="0"/>
-              <a:t>March 13, 2022</a:t>
+              <a:t>March 14, 2022</a:t>
             </a:fld>
             <a:endParaRPr lang="en-US"/>
           </a:p>
@@ -1250,7 +1248,7 @@
           <a:p>
             <a:fld id="{3B723863-7632-E340-8CE9-B0CD0BBE95A9}" type="datetime4">
               <a:rPr kumimoji="1" lang="en-US" altLang="zh-CN" smtClean="0"/>
-              <a:t>March 13, 2022</a:t>
+              <a:t>March 14, 2022</a:t>
             </a:fld>
             <a:endParaRPr kumimoji="1" lang="zh-CN" altLang="en-US"/>
           </a:p>
@@ -1512,7 +1510,7 @@
           <a:p>
             <a:fld id="{C56F6960-91EC-3141-AA2A-8A719A32A9B2}" type="datetime4">
               <a:rPr lang="en-US" smtClean="0"/>
-              <a:t>March 13, 2022</a:t>
+              <a:t>March 14, 2022</a:t>
             </a:fld>
             <a:endParaRPr lang="en-US"/>
           </a:p>
@@ -1924,7 +1922,7 @@
           <a:p>
             <a:fld id="{D4C1BEA0-6974-0043-860B-1E048DE9F387}" type="datetime4">
               <a:rPr lang="en-US" smtClean="0"/>
-              <a:t>March 13, 2022</a:t>
+              <a:t>March 14, 2022</a:t>
             </a:fld>
             <a:endParaRPr lang="en-US"/>
           </a:p>
@@ -2405,7 +2403,7 @@
           <a:p>
             <a:fld id="{1E36C903-02F3-D740-96EC-28CDEE2DA609}" type="datetime4">
               <a:rPr lang="en-US" smtClean="0"/>
-              <a:t>March 13, 2022</a:t>
+              <a:t>March 14, 2022</a:t>
             </a:fld>
             <a:endParaRPr lang="en-US"/>
           </a:p>
@@ -3036,7 +3034,7 @@
           <a:p>
             <a:fld id="{529D68F4-A426-CD48-BCA0-FCCD59CB9E8C}" type="datetime4">
               <a:rPr lang="en-US" smtClean="0"/>
-              <a:t>March 13, 2022</a:t>
+              <a:t>March 14, 2022</a:t>
             </a:fld>
             <a:endParaRPr lang="en-US" dirty="0"/>
           </a:p>
@@ -3321,7 +3319,7 @@
           <a:p>
             <a:fld id="{C65C722E-99B4-BB4B-AD75-76DCE3D19FB8}" type="datetime4">
               <a:rPr lang="en-US" smtClean="0"/>
-              <a:t>March 13, 2022</a:t>
+              <a:t>March 14, 2022</a:t>
             </a:fld>
             <a:endParaRPr lang="en-US"/>
           </a:p>
@@ -3563,7 +3561,7 @@
           <a:p>
             <a:fld id="{941B10C9-CF39-4B49-8A61-D4122A695B4D}" type="datetime4">
               <a:rPr lang="en-US" smtClean="0"/>
-              <a:t>March 13, 2022</a:t>
+              <a:t>March 14, 2022</a:t>
             </a:fld>
             <a:endParaRPr lang="en-US"/>
           </a:p>
@@ -4031,7 +4029,7 @@
           <a:p>
             <a:fld id="{CE1C0749-A888-704B-8BB4-BC2A36F1183B}" type="datetime4">
               <a:rPr lang="en-US" smtClean="0"/>
-              <a:t>March 13, 2022</a:t>
+              <a:t>March 14, 2022</a:t>
             </a:fld>
             <a:endParaRPr lang="en-US"/>
           </a:p>
@@ -4465,7 +4463,7 @@
           <a:p>
             <a:fld id="{6C744985-3758-4946-A81C-08224A001FD8}" type="datetime4">
               <a:rPr lang="en-US" smtClean="0"/>
-              <a:t>March 13, 2022</a:t>
+              <a:t>March 14, 2022</a:t>
             </a:fld>
             <a:endParaRPr lang="en-US"/>
           </a:p>
@@ -4879,7 +4877,7 @@
           <a:p>
             <a:fld id="{1F68D5F6-729E-CD48-A2F0-F475A298FECB}" type="datetime4">
               <a:rPr lang="en-US" smtClean="0"/>
-              <a:t>March 13, 2022</a:t>
+              <a:t>March 14, 2022</a:t>
             </a:fld>
             <a:endParaRPr lang="en-US" dirty="0"/>
           </a:p>
@@ -5537,7 +5535,7 @@
           <a:p>
             <a:fld id="{4A41368A-61F7-E041-9ACD-149A9FAC96EC}" type="datetime4">
               <a:rPr lang="en-US" smtClean="0"/>
-              <a:t>March 13, 2022</a:t>
+              <a:t>March 14, 2022</a:t>
             </a:fld>
             <a:endParaRPr lang="en-US" dirty="0"/>
           </a:p>
@@ -5662,7 +5660,7 @@
       <p:sp>
         <p:nvSpPr>
           <p:cNvPr id="10" name="TextBox 9">
-            <a:hlinkClick r:id="rId4" action="ppaction://hlinksldjump"/>
+            <a:hlinkClick r:id="" action="ppaction://noaction"/>
             <a:extLst>
               <a:ext uri="{FF2B5EF4-FFF2-40B4-BE49-F238E27FC236}">
                 <a16:creationId xmlns:a16="http://schemas.microsoft.com/office/drawing/2014/main" id="{7D28B7FC-208C-F247-BFCD-8C5B7CCB5788}"/>
@@ -5897,7 +5895,7 @@
           <a:p>
             <a:r>
               <a:rPr lang="en-US" dirty="0"/>
-              <a:t>long-term(x seconds)/short-term(x seconds) variance, x traces from x/3 streams</a:t>
+              <a:t>long-term(x seconds)/short-term(x seconds) variance &amp; average</a:t>
             </a:r>
           </a:p>
           <a:p>
@@ -5906,6 +5904,15 @@
               <a:t>Normalize data</a:t>
             </a:r>
           </a:p>
+          <a:p>
+            <a:r>
+              <a:rPr lang="en-US" dirty="0"/>
+              <a:t>Segment data into x batches</a:t>
+            </a:r>
+          </a:p>
+          <a:p>
+            <a:endParaRPr lang="en-US" dirty="0"/>
+          </a:p>
         </p:txBody>
       </p:sp>
       <p:sp>
@@ -5931,7 +5938,7 @@
           <a:p>
             <a:fld id="{C56F6960-91EC-3141-AA2A-8A719A32A9B2}" type="datetime4">
               <a:rPr lang="en-US" smtClean="0"/>
-              <a:t>March 13, 2022</a:t>
+              <a:t>March 14, 2022</a:t>
             </a:fld>
             <a:endParaRPr lang="en-US"/>
           </a:p>
@@ -6076,8 +6083,34 @@
           <a:p>
             <a:r>
               <a:rPr lang="en-US" dirty="0"/>
-              <a:t>Layers…</a:t>
-            </a:r>
+              <a:t>CNN LSTM</a:t>
+            </a:r>
+          </a:p>
+          <a:p>
+            <a:pPr lvl="1"/>
+            <a:r>
+              <a:rPr lang="en-US" dirty="0"/>
+              <a:t>Signal model to identify p-wave</a:t>
+            </a:r>
+          </a:p>
+          <a:p>
+            <a:pPr lvl="1"/>
+            <a:r>
+              <a:rPr lang="en-US" dirty="0"/>
+              <a:t>Location model to find start point of p-wave</a:t>
+            </a:r>
+          </a:p>
+          <a:p>
+            <a:r>
+              <a:rPr lang="en-US" dirty="0"/>
+              <a:t>Window side</a:t>
+            </a:r>
+          </a:p>
+          <a:p>
+            <a:pPr marL="0" indent="0">
+              <a:buNone/>
+            </a:pPr>
+            <a:endParaRPr lang="en-US" dirty="0"/>
           </a:p>
         </p:txBody>
       </p:sp>
@@ -6104,7 +6137,7 @@
           <a:p>
             <a:fld id="{C56F6960-91EC-3141-AA2A-8A719A32A9B2}" type="datetime4">
               <a:rPr lang="en-US" smtClean="0"/>
-              <a:t>March 13, 2022</a:t>
+              <a:t>March 14, 2022</a:t>
             </a:fld>
             <a:endParaRPr lang="en-US"/>
           </a:p>
@@ -6221,7 +6254,7 @@
           <a:p>
             <a:r>
               <a:rPr lang="en-US" dirty="0"/>
-              <a:t>Training Network Model</a:t>
+              <a:t>Prediction</a:t>
             </a:r>
           </a:p>
         </p:txBody>
@@ -6249,28 +6282,11 @@
           <a:p>
             <a:r>
               <a:rPr lang="en-US" dirty="0"/>
-              <a:t>Store model in .</a:t>
-            </a:r>
-            <a:r>
-              <a:rPr lang="en-US" dirty="0" err="1"/>
-              <a:t>pb</a:t>
-            </a:r>
-            <a:r>
-              <a:rPr lang="en-US" dirty="0"/>
-              <a:t> file</a:t>
-            </a:r>
-          </a:p>
-          <a:p>
-            <a:r>
-              <a:rPr lang="en-US" dirty="0"/>
-              <a:t>*With precision…</a:t>
-            </a:r>
-          </a:p>
-          <a:p>
-            <a:r>
-              <a:rPr lang="en-US" dirty="0"/>
-              <a:t>*F1 score…</a:t>
-            </a:r>
+              <a:t>p and s threshold with plot</a:t>
+            </a:r>
+          </a:p>
+          <a:p>
+            <a:endParaRPr lang="en-US" dirty="0"/>
           </a:p>
         </p:txBody>
       </p:sp>
@@ -6297,7 +6313,7 @@
           <a:p>
             <a:fld id="{C56F6960-91EC-3141-AA2A-8A719A32A9B2}" type="datetime4">
               <a:rPr lang="en-US" smtClean="0"/>
-              <a:t>March 13, 2022</a:t>
+              <a:t>March 14, 2022</a:t>
             </a:fld>
             <a:endParaRPr lang="en-US"/>
           </a:p>
@@ -6365,370 +6381,6 @@
     <p:extLst>
       <p:ext uri="{BB962C8B-B14F-4D97-AF65-F5344CB8AC3E}">
         <p14:creationId xmlns:p14="http://schemas.microsoft.com/office/powerpoint/2010/main" val="1106663741"/>
-      </p:ext>
-    </p:extLst>
-  </p:cSld>
-  <p:clrMapOvr>
-    <a:masterClrMapping/>
-  </p:clrMapOvr>
-</p:sld>
-</file>
-
-<file path=ppt/slides/slide5.xml><?xml version="1.0" encoding="utf-8"?>
-<p:sld xmlns:a="http://schemas.openxmlformats.org/drawingml/2006/main" xmlns:r="http://schemas.openxmlformats.org/officeDocument/2006/relationships" xmlns:p="http://schemas.openxmlformats.org/presentationml/2006/main">
-  <p:cSld>
-    <p:spTree>
-      <p:nvGrpSpPr>
-        <p:cNvPr id="1" name=""/>
-        <p:cNvGrpSpPr/>
-        <p:nvPr/>
-      </p:nvGrpSpPr>
-      <p:grpSpPr>
-        <a:xfrm>
-          <a:off x="0" y="0"/>
-          <a:ext cx="0" cy="0"/>
-          <a:chOff x="0" y="0"/>
-          <a:chExt cx="0" cy="0"/>
-        </a:xfrm>
-      </p:grpSpPr>
-      <p:sp>
-        <p:nvSpPr>
-          <p:cNvPr id="2" name="Title 1">
-            <a:extLst>
-              <a:ext uri="{FF2B5EF4-FFF2-40B4-BE49-F238E27FC236}">
-                <a16:creationId xmlns:a16="http://schemas.microsoft.com/office/drawing/2014/main" id="{B3C8A03D-8067-3347-BE75-4A85E7138DCF}"/>
-              </a:ext>
-            </a:extLst>
-          </p:cNvPr>
-          <p:cNvSpPr>
-            <a:spLocks noGrp="1"/>
-          </p:cNvSpPr>
-          <p:nvPr>
-            <p:ph type="title"/>
-          </p:nvPr>
-        </p:nvSpPr>
-        <p:spPr/>
-        <p:txBody>
-          <a:bodyPr/>
-          <a:lstStyle/>
-          <a:p>
-            <a:r>
-              <a:rPr lang="en-US" dirty="0"/>
-              <a:t>Location Model</a:t>
-            </a:r>
-          </a:p>
-        </p:txBody>
-      </p:sp>
-      <p:sp>
-        <p:nvSpPr>
-          <p:cNvPr id="3" name="Content Placeholder 2">
-            <a:extLst>
-              <a:ext uri="{FF2B5EF4-FFF2-40B4-BE49-F238E27FC236}">
-                <a16:creationId xmlns:a16="http://schemas.microsoft.com/office/drawing/2014/main" id="{C0B69191-6C29-BC41-A9CE-4BC25EDEF415}"/>
-              </a:ext>
-            </a:extLst>
-          </p:cNvPr>
-          <p:cNvSpPr>
-            <a:spLocks noGrp="1"/>
-          </p:cNvSpPr>
-          <p:nvPr>
-            <p:ph idx="1"/>
-          </p:nvPr>
-        </p:nvSpPr>
-        <p:spPr/>
-        <p:txBody>
-          <a:bodyPr/>
-          <a:lstStyle/>
-          <a:p>
-            <a:r>
-              <a:rPr lang="en-US" dirty="0"/>
-              <a:t>Segment data into x batches</a:t>
-            </a:r>
-          </a:p>
-          <a:p>
-            <a:r>
-              <a:rPr lang="en-US" dirty="0"/>
-              <a:t>Put batches into the stored Neural Network file</a:t>
-            </a:r>
-          </a:p>
-          <a:p>
-            <a:r>
-              <a:rPr lang="en-US" dirty="0"/>
-              <a:t>Threshold probability: x</a:t>
-            </a:r>
-          </a:p>
-          <a:p>
-            <a:r>
-              <a:rPr lang="en-US" dirty="0"/>
-              <a:t>Trigger alarm if …</a:t>
-            </a:r>
-          </a:p>
-        </p:txBody>
-      </p:sp>
-      <p:sp>
-        <p:nvSpPr>
-          <p:cNvPr id="4" name="Date Placeholder 3">
-            <a:extLst>
-              <a:ext uri="{FF2B5EF4-FFF2-40B4-BE49-F238E27FC236}">
-                <a16:creationId xmlns:a16="http://schemas.microsoft.com/office/drawing/2014/main" id="{10AEFF07-8B30-2045-9F04-A7C3A6C75A9B}"/>
-              </a:ext>
-            </a:extLst>
-          </p:cNvPr>
-          <p:cNvSpPr>
-            <a:spLocks noGrp="1"/>
-          </p:cNvSpPr>
-          <p:nvPr>
-            <p:ph type="dt" sz="half" idx="10"/>
-          </p:nvPr>
-        </p:nvSpPr>
-        <p:spPr/>
-        <p:txBody>
-          <a:bodyPr/>
-          <a:lstStyle/>
-          <a:p>
-            <a:fld id="{C56F6960-91EC-3141-AA2A-8A719A32A9B2}" type="datetime4">
-              <a:rPr lang="en-US" smtClean="0"/>
-              <a:t>March 13, 2022</a:t>
-            </a:fld>
-            <a:endParaRPr lang="en-US"/>
-          </a:p>
-        </p:txBody>
-      </p:sp>
-      <p:sp>
-        <p:nvSpPr>
-          <p:cNvPr id="5" name="Footer Placeholder 4">
-            <a:extLst>
-              <a:ext uri="{FF2B5EF4-FFF2-40B4-BE49-F238E27FC236}">
-                <a16:creationId xmlns:a16="http://schemas.microsoft.com/office/drawing/2014/main" id="{B08C6B7E-8543-E844-8003-CBA6385CBC12}"/>
-              </a:ext>
-            </a:extLst>
-          </p:cNvPr>
-          <p:cNvSpPr>
-            <a:spLocks noGrp="1"/>
-          </p:cNvSpPr>
-          <p:nvPr>
-            <p:ph type="ftr" sz="quarter" idx="11"/>
-          </p:nvPr>
-        </p:nvSpPr>
-        <p:spPr/>
-        <p:txBody>
-          <a:bodyPr/>
-          <a:lstStyle/>
-          <a:p>
-            <a:r>
-              <a:rPr lang="en-US" dirty="0"/>
-              <a:t>Team 1</a:t>
-            </a:r>
-          </a:p>
-        </p:txBody>
-      </p:sp>
-      <p:sp>
-        <p:nvSpPr>
-          <p:cNvPr id="6" name="Slide Number Placeholder 5">
-            <a:extLst>
-              <a:ext uri="{FF2B5EF4-FFF2-40B4-BE49-F238E27FC236}">
-                <a16:creationId xmlns:a16="http://schemas.microsoft.com/office/drawing/2014/main" id="{68C884B7-8415-E344-9569-F544AB1501C1}"/>
-              </a:ext>
-            </a:extLst>
-          </p:cNvPr>
-          <p:cNvSpPr>
-            <a:spLocks noGrp="1"/>
-          </p:cNvSpPr>
-          <p:nvPr>
-            <p:ph type="sldNum" sz="quarter" idx="12"/>
-          </p:nvPr>
-        </p:nvSpPr>
-        <p:spPr/>
-        <p:txBody>
-          <a:bodyPr/>
-          <a:lstStyle/>
-          <a:p>
-            <a:fld id="{FCCF9DFD-C425-8648-8F0F-DD3A8B4D0547}" type="slidenum">
-              <a:rPr lang="en-US" smtClean="0"/>
-              <a:pPr/>
-              <a:t>5</a:t>
-            </a:fld>
-            <a:endParaRPr lang="en-US"/>
-          </a:p>
-        </p:txBody>
-      </p:sp>
-    </p:spTree>
-    <p:extLst>
-      <p:ext uri="{BB962C8B-B14F-4D97-AF65-F5344CB8AC3E}">
-        <p14:creationId xmlns:p14="http://schemas.microsoft.com/office/powerpoint/2010/main" val="1368935352"/>
-      </p:ext>
-    </p:extLst>
-  </p:cSld>
-  <p:clrMapOvr>
-    <a:masterClrMapping/>
-  </p:clrMapOvr>
-</p:sld>
-</file>
-
-<file path=ppt/slides/slide6.xml><?xml version="1.0" encoding="utf-8"?>
-<p:sld xmlns:a="http://schemas.openxmlformats.org/drawingml/2006/main" xmlns:r="http://schemas.openxmlformats.org/officeDocument/2006/relationships" xmlns:p="http://schemas.openxmlformats.org/presentationml/2006/main">
-  <p:cSld>
-    <p:spTree>
-      <p:nvGrpSpPr>
-        <p:cNvPr id="1" name=""/>
-        <p:cNvGrpSpPr/>
-        <p:nvPr/>
-      </p:nvGrpSpPr>
-      <p:grpSpPr>
-        <a:xfrm>
-          <a:off x="0" y="0"/>
-          <a:ext cx="0" cy="0"/>
-          <a:chOff x="0" y="0"/>
-          <a:chExt cx="0" cy="0"/>
-        </a:xfrm>
-      </p:grpSpPr>
-      <p:sp>
-        <p:nvSpPr>
-          <p:cNvPr id="2" name="Title 1">
-            <a:extLst>
-              <a:ext uri="{FF2B5EF4-FFF2-40B4-BE49-F238E27FC236}">
-                <a16:creationId xmlns:a16="http://schemas.microsoft.com/office/drawing/2014/main" id="{B3C8A03D-8067-3347-BE75-4A85E7138DCF}"/>
-              </a:ext>
-            </a:extLst>
-          </p:cNvPr>
-          <p:cNvSpPr>
-            <a:spLocks noGrp="1"/>
-          </p:cNvSpPr>
-          <p:nvPr>
-            <p:ph type="title"/>
-          </p:nvPr>
-        </p:nvSpPr>
-        <p:spPr/>
-        <p:txBody>
-          <a:bodyPr/>
-          <a:lstStyle/>
-          <a:p>
-            <a:r>
-              <a:rPr lang="en-US" dirty="0"/>
-              <a:t>Example result</a:t>
-            </a:r>
-          </a:p>
-        </p:txBody>
-      </p:sp>
-      <p:sp>
-        <p:nvSpPr>
-          <p:cNvPr id="3" name="Content Placeholder 2">
-            <a:extLst>
-              <a:ext uri="{FF2B5EF4-FFF2-40B4-BE49-F238E27FC236}">
-                <a16:creationId xmlns:a16="http://schemas.microsoft.com/office/drawing/2014/main" id="{C0B69191-6C29-BC41-A9CE-4BC25EDEF415}"/>
-              </a:ext>
-            </a:extLst>
-          </p:cNvPr>
-          <p:cNvSpPr>
-            <a:spLocks noGrp="1"/>
-          </p:cNvSpPr>
-          <p:nvPr>
-            <p:ph idx="1"/>
-          </p:nvPr>
-        </p:nvSpPr>
-        <p:spPr/>
-        <p:txBody>
-          <a:bodyPr/>
-          <a:lstStyle/>
-          <a:p>
-            <a:r>
-              <a:rPr lang="en-US" dirty="0"/>
-              <a:t>Plot of o wave and detected location with model…</a:t>
-            </a:r>
-          </a:p>
-        </p:txBody>
-      </p:sp>
-      <p:sp>
-        <p:nvSpPr>
-          <p:cNvPr id="4" name="Date Placeholder 3">
-            <a:extLst>
-              <a:ext uri="{FF2B5EF4-FFF2-40B4-BE49-F238E27FC236}">
-                <a16:creationId xmlns:a16="http://schemas.microsoft.com/office/drawing/2014/main" id="{10AEFF07-8B30-2045-9F04-A7C3A6C75A9B}"/>
-              </a:ext>
-            </a:extLst>
-          </p:cNvPr>
-          <p:cNvSpPr>
-            <a:spLocks noGrp="1"/>
-          </p:cNvSpPr>
-          <p:nvPr>
-            <p:ph type="dt" sz="half" idx="10"/>
-          </p:nvPr>
-        </p:nvSpPr>
-        <p:spPr/>
-        <p:txBody>
-          <a:bodyPr/>
-          <a:lstStyle/>
-          <a:p>
-            <a:fld id="{C56F6960-91EC-3141-AA2A-8A719A32A9B2}" type="datetime4">
-              <a:rPr lang="en-US" smtClean="0"/>
-              <a:t>March 13, 2022</a:t>
-            </a:fld>
-            <a:endParaRPr lang="en-US"/>
-          </a:p>
-        </p:txBody>
-      </p:sp>
-      <p:sp>
-        <p:nvSpPr>
-          <p:cNvPr id="5" name="Footer Placeholder 4">
-            <a:extLst>
-              <a:ext uri="{FF2B5EF4-FFF2-40B4-BE49-F238E27FC236}">
-                <a16:creationId xmlns:a16="http://schemas.microsoft.com/office/drawing/2014/main" id="{B08C6B7E-8543-E844-8003-CBA6385CBC12}"/>
-              </a:ext>
-            </a:extLst>
-          </p:cNvPr>
-          <p:cNvSpPr>
-            <a:spLocks noGrp="1"/>
-          </p:cNvSpPr>
-          <p:nvPr>
-            <p:ph type="ftr" sz="quarter" idx="11"/>
-          </p:nvPr>
-        </p:nvSpPr>
-        <p:spPr/>
-        <p:txBody>
-          <a:bodyPr/>
-          <a:lstStyle/>
-          <a:p>
-            <a:r>
-              <a:rPr lang="en-US" dirty="0"/>
-              <a:t>Team 1</a:t>
-            </a:r>
-          </a:p>
-        </p:txBody>
-      </p:sp>
-      <p:sp>
-        <p:nvSpPr>
-          <p:cNvPr id="6" name="Slide Number Placeholder 5">
-            <a:extLst>
-              <a:ext uri="{FF2B5EF4-FFF2-40B4-BE49-F238E27FC236}">
-                <a16:creationId xmlns:a16="http://schemas.microsoft.com/office/drawing/2014/main" id="{68C884B7-8415-E344-9569-F544AB1501C1}"/>
-              </a:ext>
-            </a:extLst>
-          </p:cNvPr>
-          <p:cNvSpPr>
-            <a:spLocks noGrp="1"/>
-          </p:cNvSpPr>
-          <p:nvPr>
-            <p:ph type="sldNum" sz="quarter" idx="12"/>
-          </p:nvPr>
-        </p:nvSpPr>
-        <p:spPr/>
-        <p:txBody>
-          <a:bodyPr/>
-          <a:lstStyle/>
-          <a:p>
-            <a:fld id="{FCCF9DFD-C425-8648-8F0F-DD3A8B4D0547}" type="slidenum">
-              <a:rPr lang="en-US" smtClean="0"/>
-              <a:pPr/>
-              <a:t>6</a:t>
-            </a:fld>
-            <a:endParaRPr lang="en-US"/>
-          </a:p>
-        </p:txBody>
-      </p:sp>
-    </p:spTree>
-    <p:extLst>
-      <p:ext uri="{BB962C8B-B14F-4D97-AF65-F5344CB8AC3E}">
-        <p14:creationId xmlns:p14="http://schemas.microsoft.com/office/powerpoint/2010/main" val="2252496623"/>
       </p:ext>
     </p:extLst>
   </p:cSld>

--- a/Challenge_Team1.pptx
+++ b/Challenge_Team1.pptx
@@ -5,16 +5,18 @@
     <p:sldMasterId id="2147483648" r:id="rId1"/>
   </p:sldMasterIdLst>
   <p:notesMasterIdLst>
-    <p:notesMasterId r:id="rId6"/>
+    <p:notesMasterId r:id="rId8"/>
   </p:notesMasterIdLst>
   <p:handoutMasterIdLst>
-    <p:handoutMasterId r:id="rId7"/>
+    <p:handoutMasterId r:id="rId9"/>
   </p:handoutMasterIdLst>
   <p:sldIdLst>
     <p:sldId id="256" r:id="rId2"/>
     <p:sldId id="271" r:id="rId3"/>
-    <p:sldId id="272" r:id="rId4"/>
-    <p:sldId id="273" r:id="rId5"/>
+    <p:sldId id="274" r:id="rId4"/>
+    <p:sldId id="272" r:id="rId5"/>
+    <p:sldId id="276" r:id="rId6"/>
+    <p:sldId id="273" r:id="rId7"/>
   </p:sldIdLst>
   <p:sldSz cx="12192000" cy="6858000"/>
   <p:notesSz cx="6858000" cy="9144000"/>
@@ -218,7 +220,7 @@
           <a:p>
             <a:fld id="{30319E99-684A-4848-AC18-DF22AACC6AD2}" type="datetimeFigureOut">
               <a:rPr lang="en-US" smtClean="0"/>
-              <a:t>3/14/22</a:t>
+              <a:t>3/15/22</a:t>
             </a:fld>
             <a:endParaRPr lang="en-US"/>
           </a:p>
@@ -395,7 +397,7 @@
           <a:p>
             <a:fld id="{9CBA8472-4482-C946-AA49-92B9FCC08827}" type="datetimeFigureOut">
               <a:rPr lang="en-US" smtClean="0"/>
-              <a:t>3/14/22</a:t>
+              <a:t>3/15/22</a:t>
             </a:fld>
             <a:endParaRPr lang="en-US"/>
           </a:p>
@@ -662,6 +664,174 @@
 </p:notesMaster>
 </file>
 
+<file path=ppt/notesSlides/notesSlide1.xml><?xml version="1.0" encoding="utf-8"?>
+<p:notes xmlns:a="http://schemas.openxmlformats.org/drawingml/2006/main" xmlns:r="http://schemas.openxmlformats.org/officeDocument/2006/relationships" xmlns:p="http://schemas.openxmlformats.org/presentationml/2006/main">
+  <p:cSld>
+    <p:spTree>
+      <p:nvGrpSpPr>
+        <p:cNvPr id="1" name=""/>
+        <p:cNvGrpSpPr/>
+        <p:nvPr/>
+      </p:nvGrpSpPr>
+      <p:grpSpPr>
+        <a:xfrm>
+          <a:off x="0" y="0"/>
+          <a:ext cx="0" cy="0"/>
+          <a:chOff x="0" y="0"/>
+          <a:chExt cx="0" cy="0"/>
+        </a:xfrm>
+      </p:grpSpPr>
+      <p:sp>
+        <p:nvSpPr>
+          <p:cNvPr id="2" name="Slide Image Placeholder 1"/>
+          <p:cNvSpPr>
+            <a:spLocks noGrp="1" noRot="1" noChangeAspect="1"/>
+          </p:cNvSpPr>
+          <p:nvPr>
+            <p:ph type="sldImg"/>
+          </p:nvPr>
+        </p:nvSpPr>
+        <p:spPr/>
+      </p:sp>
+      <p:sp>
+        <p:nvSpPr>
+          <p:cNvPr id="3" name="Notes Placeholder 2"/>
+          <p:cNvSpPr>
+            <a:spLocks noGrp="1"/>
+          </p:cNvSpPr>
+          <p:nvPr>
+            <p:ph type="body" idx="1"/>
+          </p:nvPr>
+        </p:nvSpPr>
+        <p:spPr/>
+        <p:txBody>
+          <a:bodyPr/>
+          <a:lstStyle/>
+          <a:p>
+            <a:endParaRPr lang="en-US" dirty="0"/>
+          </a:p>
+        </p:txBody>
+      </p:sp>
+      <p:sp>
+        <p:nvSpPr>
+          <p:cNvPr id="4" name="Slide Number Placeholder 3"/>
+          <p:cNvSpPr>
+            <a:spLocks noGrp="1"/>
+          </p:cNvSpPr>
+          <p:nvPr>
+            <p:ph type="sldNum" sz="quarter" idx="5"/>
+          </p:nvPr>
+        </p:nvSpPr>
+        <p:spPr/>
+        <p:txBody>
+          <a:bodyPr/>
+          <a:lstStyle/>
+          <a:p>
+            <a:fld id="{B3534B77-ABF4-2448-A921-657BB92F87C7}" type="slidenum">
+              <a:rPr lang="en-US" smtClean="0"/>
+              <a:t>3</a:t>
+            </a:fld>
+            <a:endParaRPr lang="en-US"/>
+          </a:p>
+        </p:txBody>
+      </p:sp>
+    </p:spTree>
+    <p:extLst>
+      <p:ext uri="{BB962C8B-B14F-4D97-AF65-F5344CB8AC3E}">
+        <p14:creationId xmlns:p14="http://schemas.microsoft.com/office/powerpoint/2010/main" val="3024142883"/>
+      </p:ext>
+    </p:extLst>
+  </p:cSld>
+  <p:clrMapOvr>
+    <a:masterClrMapping/>
+  </p:clrMapOvr>
+</p:notes>
+</file>
+
+<file path=ppt/notesSlides/notesSlide2.xml><?xml version="1.0" encoding="utf-8"?>
+<p:notes xmlns:a="http://schemas.openxmlformats.org/drawingml/2006/main" xmlns:r="http://schemas.openxmlformats.org/officeDocument/2006/relationships" xmlns:p="http://schemas.openxmlformats.org/presentationml/2006/main">
+  <p:cSld>
+    <p:spTree>
+      <p:nvGrpSpPr>
+        <p:cNvPr id="1" name=""/>
+        <p:cNvGrpSpPr/>
+        <p:nvPr/>
+      </p:nvGrpSpPr>
+      <p:grpSpPr>
+        <a:xfrm>
+          <a:off x="0" y="0"/>
+          <a:ext cx="0" cy="0"/>
+          <a:chOff x="0" y="0"/>
+          <a:chExt cx="0" cy="0"/>
+        </a:xfrm>
+      </p:grpSpPr>
+      <p:sp>
+        <p:nvSpPr>
+          <p:cNvPr id="2" name="Slide Image Placeholder 1"/>
+          <p:cNvSpPr>
+            <a:spLocks noGrp="1" noRot="1" noChangeAspect="1"/>
+          </p:cNvSpPr>
+          <p:nvPr>
+            <p:ph type="sldImg"/>
+          </p:nvPr>
+        </p:nvSpPr>
+        <p:spPr/>
+      </p:sp>
+      <p:sp>
+        <p:nvSpPr>
+          <p:cNvPr id="3" name="Notes Placeholder 2"/>
+          <p:cNvSpPr>
+            <a:spLocks noGrp="1"/>
+          </p:cNvSpPr>
+          <p:nvPr>
+            <p:ph type="body" idx="1"/>
+          </p:nvPr>
+        </p:nvSpPr>
+        <p:spPr/>
+        <p:txBody>
+          <a:bodyPr/>
+          <a:lstStyle/>
+          <a:p>
+            <a:endParaRPr lang="en-US" dirty="0"/>
+          </a:p>
+        </p:txBody>
+      </p:sp>
+      <p:sp>
+        <p:nvSpPr>
+          <p:cNvPr id="4" name="Slide Number Placeholder 3"/>
+          <p:cNvSpPr>
+            <a:spLocks noGrp="1"/>
+          </p:cNvSpPr>
+          <p:nvPr>
+            <p:ph type="sldNum" sz="quarter" idx="5"/>
+          </p:nvPr>
+        </p:nvSpPr>
+        <p:spPr/>
+        <p:txBody>
+          <a:bodyPr/>
+          <a:lstStyle/>
+          <a:p>
+            <a:fld id="{B3534B77-ABF4-2448-A921-657BB92F87C7}" type="slidenum">
+              <a:rPr lang="en-US" smtClean="0"/>
+              <a:t>5</a:t>
+            </a:fld>
+            <a:endParaRPr lang="en-US"/>
+          </a:p>
+        </p:txBody>
+      </p:sp>
+    </p:spTree>
+    <p:extLst>
+      <p:ext uri="{BB962C8B-B14F-4D97-AF65-F5344CB8AC3E}">
+        <p14:creationId xmlns:p14="http://schemas.microsoft.com/office/powerpoint/2010/main" val="2264058790"/>
+      </p:ext>
+    </p:extLst>
+  </p:cSld>
+  <p:clrMapOvr>
+    <a:masterClrMapping/>
+  </p:clrMapOvr>
+</p:notes>
+</file>
+
 <file path=ppt/slideLayouts/slideLayout1.xml><?xml version="1.0" encoding="utf-8"?>
 <p:sldLayout xmlns:a="http://schemas.openxmlformats.org/drawingml/2006/main" xmlns:r="http://schemas.openxmlformats.org/officeDocument/2006/relationships" xmlns:p="http://schemas.openxmlformats.org/presentationml/2006/main" preserve="1" userDrawn="1">
   <p:cSld name="Title Slide">
@@ -825,7 +995,7 @@
           <a:p>
             <a:fld id="{9C979A01-2314-0941-9B8B-661DB77A110C}" type="datetime4">
               <a:rPr lang="en-US" smtClean="0"/>
-              <a:t>March 14, 2022</a:t>
+              <a:t>March 15, 2022</a:t>
             </a:fld>
             <a:endParaRPr lang="en-US"/>
           </a:p>
@@ -1248,7 +1418,7 @@
           <a:p>
             <a:fld id="{3B723863-7632-E340-8CE9-B0CD0BBE95A9}" type="datetime4">
               <a:rPr kumimoji="1" lang="en-US" altLang="zh-CN" smtClean="0"/>
-              <a:t>March 14, 2022</a:t>
+              <a:t>March 15, 2022</a:t>
             </a:fld>
             <a:endParaRPr kumimoji="1" lang="zh-CN" altLang="en-US"/>
           </a:p>
@@ -1510,7 +1680,7 @@
           <a:p>
             <a:fld id="{C56F6960-91EC-3141-AA2A-8A719A32A9B2}" type="datetime4">
               <a:rPr lang="en-US" smtClean="0"/>
-              <a:t>March 14, 2022</a:t>
+              <a:t>March 15, 2022</a:t>
             </a:fld>
             <a:endParaRPr lang="en-US"/>
           </a:p>
@@ -1922,7 +2092,7 @@
           <a:p>
             <a:fld id="{D4C1BEA0-6974-0043-860B-1E048DE9F387}" type="datetime4">
               <a:rPr lang="en-US" smtClean="0"/>
-              <a:t>March 14, 2022</a:t>
+              <a:t>March 15, 2022</a:t>
             </a:fld>
             <a:endParaRPr lang="en-US"/>
           </a:p>
@@ -2403,7 +2573,7 @@
           <a:p>
             <a:fld id="{1E36C903-02F3-D740-96EC-28CDEE2DA609}" type="datetime4">
               <a:rPr lang="en-US" smtClean="0"/>
-              <a:t>March 14, 2022</a:t>
+              <a:t>March 15, 2022</a:t>
             </a:fld>
             <a:endParaRPr lang="en-US"/>
           </a:p>
@@ -3034,7 +3204,7 @@
           <a:p>
             <a:fld id="{529D68F4-A426-CD48-BCA0-FCCD59CB9E8C}" type="datetime4">
               <a:rPr lang="en-US" smtClean="0"/>
-              <a:t>March 14, 2022</a:t>
+              <a:t>March 15, 2022</a:t>
             </a:fld>
             <a:endParaRPr lang="en-US" dirty="0"/>
           </a:p>
@@ -3319,7 +3489,7 @@
           <a:p>
             <a:fld id="{C65C722E-99B4-BB4B-AD75-76DCE3D19FB8}" type="datetime4">
               <a:rPr lang="en-US" smtClean="0"/>
-              <a:t>March 14, 2022</a:t>
+              <a:t>March 15, 2022</a:t>
             </a:fld>
             <a:endParaRPr lang="en-US"/>
           </a:p>
@@ -3561,7 +3731,7 @@
           <a:p>
             <a:fld id="{941B10C9-CF39-4B49-8A61-D4122A695B4D}" type="datetime4">
               <a:rPr lang="en-US" smtClean="0"/>
-              <a:t>March 14, 2022</a:t>
+              <a:t>March 15, 2022</a:t>
             </a:fld>
             <a:endParaRPr lang="en-US"/>
           </a:p>
@@ -4029,7 +4199,7 @@
           <a:p>
             <a:fld id="{CE1C0749-A888-704B-8BB4-BC2A36F1183B}" type="datetime4">
               <a:rPr lang="en-US" smtClean="0"/>
-              <a:t>March 14, 2022</a:t>
+              <a:t>March 15, 2022</a:t>
             </a:fld>
             <a:endParaRPr lang="en-US"/>
           </a:p>
@@ -4463,7 +4633,7 @@
           <a:p>
             <a:fld id="{6C744985-3758-4946-A81C-08224A001FD8}" type="datetime4">
               <a:rPr lang="en-US" smtClean="0"/>
-              <a:t>March 14, 2022</a:t>
+              <a:t>March 15, 2022</a:t>
             </a:fld>
             <a:endParaRPr lang="en-US"/>
           </a:p>
@@ -4877,7 +5047,7 @@
           <a:p>
             <a:fld id="{1F68D5F6-729E-CD48-A2F0-F475A298FECB}" type="datetime4">
               <a:rPr lang="en-US" smtClean="0"/>
-              <a:t>March 14, 2022</a:t>
+              <a:t>March 15, 2022</a:t>
             </a:fld>
             <a:endParaRPr lang="en-US" dirty="0"/>
           </a:p>
@@ -5535,7 +5705,7 @@
           <a:p>
             <a:fld id="{4A41368A-61F7-E041-9ACD-149A9FAC96EC}" type="datetime4">
               <a:rPr lang="en-US" smtClean="0"/>
-              <a:t>March 14, 2022</a:t>
+              <a:t>March 15, 2022</a:t>
             </a:fld>
             <a:endParaRPr lang="en-US" dirty="0"/>
           </a:p>
@@ -5586,8 +5756,8 @@
         </p:nvSpPr>
         <p:spPr>
           <a:xfrm>
-            <a:off x="1454053" y="215321"/>
-            <a:ext cx="1810043" cy="278534"/>
+            <a:off x="1364918" y="230469"/>
+            <a:ext cx="2286000" cy="278534"/>
           </a:xfrm>
           <a:prstGeom prst="rect">
             <a:avLst/>
@@ -5609,7 +5779,7 @@
                 <a:ea typeface="Tahoma" panose="020B0604030504040204" pitchFamily="34" charset="0"/>
                 <a:cs typeface="Tahoma" panose="020B0604030504040204" pitchFamily="34" charset="0"/>
               </a:rPr>
-              <a:t>Introduction</a:t>
+              <a:t>General Approach</a:t>
             </a:r>
           </a:p>
         </p:txBody>
@@ -5629,8 +5799,8 @@
         </p:nvSpPr>
         <p:spPr>
           <a:xfrm>
-            <a:off x="4127305" y="215321"/>
-            <a:ext cx="1810043" cy="278534"/>
+            <a:off x="4953000" y="230469"/>
+            <a:ext cx="2286000" cy="278534"/>
           </a:xfrm>
           <a:prstGeom prst="rect">
             <a:avLst/>
@@ -5652,7 +5822,7 @@
                 <a:ea typeface="Tahoma" panose="020B0604030504040204" pitchFamily="34" charset="0"/>
                 <a:cs typeface="Tahoma" panose="020B0604030504040204" pitchFamily="34" charset="0"/>
               </a:rPr>
-              <a:t>Background</a:t>
+              <a:t>Model Selection</a:t>
             </a:r>
           </a:p>
         </p:txBody>
@@ -5672,8 +5842,8 @@
         </p:nvSpPr>
         <p:spPr>
           <a:xfrm>
-            <a:off x="6800557" y="66906"/>
-            <a:ext cx="1810043" cy="575365"/>
+            <a:off x="8541082" y="228004"/>
+            <a:ext cx="2286000" cy="283464"/>
           </a:xfrm>
           <a:prstGeom prst="rect">
             <a:avLst/>
@@ -5687,17 +5857,6 @@
           <a:p>
             <a:pPr algn="ctr"/>
             <a:r>
-              <a:rPr lang="en-GB" sz="1400" b="1" dirty="0" err="1">
-                <a:solidFill>
-                  <a:schemeClr val="bg1"/>
-                </a:solidFill>
-                <a:latin typeface="Tahoma" panose="020B0604030504040204" pitchFamily="34" charset="0"/>
-                <a:ea typeface="Tahoma" panose="020B0604030504040204" pitchFamily="34" charset="0"/>
-                <a:cs typeface="Tahoma" panose="020B0604030504040204" pitchFamily="34" charset="0"/>
-              </a:rPr>
-              <a:t>Getis</a:t>
-            </a:r>
-            <a:r>
               <a:rPr lang="en-GB" sz="1400" b="1" dirty="0">
                 <a:solidFill>
                   <a:schemeClr val="bg1"/>
@@ -5706,72 +5865,7 @@
                 <a:ea typeface="Tahoma" panose="020B0604030504040204" pitchFamily="34" charset="0"/>
                 <a:cs typeface="Tahoma" panose="020B0604030504040204" pitchFamily="34" charset="0"/>
               </a:rPr>
-              <a:t>-Ord G</a:t>
-            </a:r>
-            <a:r>
-              <a:rPr lang="en-GB" sz="1400" b="1" baseline="-25000" dirty="0">
-                <a:solidFill>
-                  <a:schemeClr val="bg1"/>
-                </a:solidFill>
-                <a:latin typeface="Tahoma" panose="020B0604030504040204" pitchFamily="34" charset="0"/>
-                <a:ea typeface="Tahoma" panose="020B0604030504040204" pitchFamily="34" charset="0"/>
-                <a:cs typeface="Tahoma" panose="020B0604030504040204" pitchFamily="34" charset="0"/>
-              </a:rPr>
-              <a:t>i</a:t>
-            </a:r>
-            <a:r>
-              <a:rPr lang="en-GB" sz="1400" b="1" dirty="0">
-                <a:solidFill>
-                  <a:schemeClr val="bg1"/>
-                </a:solidFill>
-                <a:latin typeface="Tahoma" panose="020B0604030504040204" pitchFamily="34" charset="0"/>
-                <a:ea typeface="Tahoma" panose="020B0604030504040204" pitchFamily="34" charset="0"/>
-                <a:cs typeface="Tahoma" panose="020B0604030504040204" pitchFamily="34" charset="0"/>
-              </a:rPr>
-              <a:t> Statistics</a:t>
-            </a:r>
-          </a:p>
-        </p:txBody>
-      </p:sp>
-      <p:sp>
-        <p:nvSpPr>
-          <p:cNvPr id="11" name="TextBox 10">
-            <a:hlinkClick r:id="" action="ppaction://noaction"/>
-            <a:extLst>
-              <a:ext uri="{FF2B5EF4-FFF2-40B4-BE49-F238E27FC236}">
-                <a16:creationId xmlns:a16="http://schemas.microsoft.com/office/drawing/2014/main" id="{FCDC09CA-D3DA-E44A-9DB8-69B758555CD8}"/>
-              </a:ext>
-            </a:extLst>
-          </p:cNvPr>
-          <p:cNvSpPr txBox="1"/>
-          <p:nvPr/>
-        </p:nvSpPr>
-        <p:spPr>
-          <a:xfrm>
-            <a:off x="9473810" y="66906"/>
-            <a:ext cx="1810043" cy="575365"/>
-          </a:xfrm>
-          <a:prstGeom prst="rect">
-            <a:avLst/>
-          </a:prstGeom>
-        </p:spPr>
-        <p:txBody>
-          <a:bodyPr vert="horz" wrap="square" lIns="91440" tIns="45720" rIns="91440" bIns="45720" rtlCol="0" anchor="ctr">
-            <a:noAutofit/>
-          </a:bodyPr>
-          <a:lstStyle/>
-          <a:p>
-            <a:pPr algn="ctr"/>
-            <a:r>
-              <a:rPr lang="en-GB" sz="1400" b="1" dirty="0">
-                <a:solidFill>
-                  <a:schemeClr val="bg1"/>
-                </a:solidFill>
-                <a:latin typeface="Tahoma" panose="020B0604030504040204" pitchFamily="34" charset="0"/>
-                <a:ea typeface="Tahoma" panose="020B0604030504040204" pitchFamily="34" charset="0"/>
-                <a:cs typeface="Tahoma" panose="020B0604030504040204" pitchFamily="34" charset="0"/>
-              </a:rPr>
-              <a:t>Applications in R</a:t>
+              <a:t>Tuning Parameters</a:t>
             </a:r>
           </a:p>
         </p:txBody>
@@ -5836,6 +5930,60 @@
       </p:grpSpPr>
       <p:sp>
         <p:nvSpPr>
+          <p:cNvPr id="15" name="Rectangle 14">
+            <a:extLst>
+              <a:ext uri="{FF2B5EF4-FFF2-40B4-BE49-F238E27FC236}">
+                <a16:creationId xmlns:a16="http://schemas.microsoft.com/office/drawing/2014/main" id="{226D4180-FFFC-324E-90E8-0C207B3D3D96}"/>
+              </a:ext>
+            </a:extLst>
+          </p:cNvPr>
+          <p:cNvSpPr/>
+          <p:nvPr/>
+        </p:nvSpPr>
+        <p:spPr>
+          <a:xfrm>
+            <a:off x="838200" y="4567175"/>
+            <a:ext cx="10515600" cy="625906"/>
+          </a:xfrm>
+          <a:prstGeom prst="rect">
+            <a:avLst/>
+          </a:prstGeom>
+          <a:solidFill>
+            <a:schemeClr val="accent6">
+              <a:lumMod val="75000"/>
+            </a:schemeClr>
+          </a:solidFill>
+          <a:ln>
+            <a:noFill/>
+          </a:ln>
+        </p:spPr>
+        <p:style>
+          <a:lnRef idx="2">
+            <a:schemeClr val="accent1">
+              <a:shade val="50000"/>
+            </a:schemeClr>
+          </a:lnRef>
+          <a:fillRef idx="1">
+            <a:schemeClr val="accent1"/>
+          </a:fillRef>
+          <a:effectRef idx="0">
+            <a:schemeClr val="accent1"/>
+          </a:effectRef>
+          <a:fontRef idx="minor">
+            <a:schemeClr val="lt1"/>
+          </a:fontRef>
+        </p:style>
+        <p:txBody>
+          <a:bodyPr rtlCol="0" anchor="ctr"/>
+          <a:lstStyle/>
+          <a:p>
+            <a:pPr algn="ctr"/>
+            <a:endParaRPr lang="en-US"/>
+          </a:p>
+        </p:txBody>
+      </p:sp>
+      <p:sp>
+        <p:nvSpPr>
           <p:cNvPr id="2" name="Title 1">
             <a:extLst>
               <a:ext uri="{FF2B5EF4-FFF2-40B4-BE49-F238E27FC236}">
@@ -5857,7 +6005,7 @@
           <a:p>
             <a:r>
               <a:rPr lang="en-US" dirty="0"/>
-              <a:t>Input data</a:t>
+              <a:t>General Framework – Dual Model Approach</a:t>
             </a:r>
           </a:p>
         </p:txBody>
@@ -5876,6 +6024,39 @@
           </p:cNvSpPr>
           <p:nvPr>
             <p:ph idx="1"/>
+          </p:nvPr>
+        </p:nvSpPr>
+        <p:spPr>
+          <a:xfrm>
+            <a:off x="838200" y="1825625"/>
+            <a:ext cx="10515600" cy="796166"/>
+          </a:xfrm>
+        </p:spPr>
+        <p:txBody>
+          <a:bodyPr anchor="ctr"/>
+          <a:lstStyle/>
+          <a:p>
+            <a:r>
+              <a:rPr lang="en-US" dirty="0"/>
+              <a:t>Model 1: Determine whether there is a p-wave in the trace</a:t>
+            </a:r>
+          </a:p>
+        </p:txBody>
+      </p:sp>
+      <p:sp>
+        <p:nvSpPr>
+          <p:cNvPr id="4" name="Date Placeholder 3">
+            <a:extLst>
+              <a:ext uri="{FF2B5EF4-FFF2-40B4-BE49-F238E27FC236}">
+                <a16:creationId xmlns:a16="http://schemas.microsoft.com/office/drawing/2014/main" id="{A5D99A05-3872-8242-A9C5-F3A5D025EB19}"/>
+              </a:ext>
+            </a:extLst>
+          </p:cNvPr>
+          <p:cNvSpPr>
+            <a:spLocks noGrp="1"/>
+          </p:cNvSpPr>
+          <p:nvPr>
+            <p:ph type="dt" sz="half" idx="10"/>
           </p:nvPr>
         </p:nvSpPr>
         <p:spPr/>
@@ -5883,62 +6064,9 @@
           <a:bodyPr/>
           <a:lstStyle/>
           <a:p>
-            <a:r>
-              <a:rPr lang="en-US" dirty="0" err="1"/>
-              <a:t>DataFrame</a:t>
-            </a:r>
-            <a:r>
-              <a:rPr lang="en-US" dirty="0"/>
-              <a:t> </a:t>
-            </a:r>
-          </a:p>
-          <a:p>
-            <a:r>
-              <a:rPr lang="en-US" dirty="0"/>
-              <a:t>long-term(x seconds)/short-term(x seconds) variance &amp; average</a:t>
-            </a:r>
-          </a:p>
-          <a:p>
-            <a:r>
-              <a:rPr lang="en-US" dirty="0"/>
-              <a:t>Normalize data</a:t>
-            </a:r>
-          </a:p>
-          <a:p>
-            <a:r>
-              <a:rPr lang="en-US" dirty="0"/>
-              <a:t>Segment data into x batches</a:t>
-            </a:r>
-          </a:p>
-          <a:p>
-            <a:endParaRPr lang="en-US" dirty="0"/>
-          </a:p>
-        </p:txBody>
-      </p:sp>
-      <p:sp>
-        <p:nvSpPr>
-          <p:cNvPr id="4" name="Date Placeholder 3">
-            <a:extLst>
-              <a:ext uri="{FF2B5EF4-FFF2-40B4-BE49-F238E27FC236}">
-                <a16:creationId xmlns:a16="http://schemas.microsoft.com/office/drawing/2014/main" id="{A5D99A05-3872-8242-A9C5-F3A5D025EB19}"/>
-              </a:ext>
-            </a:extLst>
-          </p:cNvPr>
-          <p:cNvSpPr>
-            <a:spLocks noGrp="1"/>
-          </p:cNvSpPr>
-          <p:nvPr>
-            <p:ph type="dt" sz="half" idx="10"/>
-          </p:nvPr>
-        </p:nvSpPr>
-        <p:spPr/>
-        <p:txBody>
-          <a:bodyPr/>
-          <a:lstStyle/>
-          <a:p>
             <a:fld id="{C56F6960-91EC-3141-AA2A-8A719A32A9B2}" type="datetime4">
               <a:rPr lang="en-US" smtClean="0"/>
-              <a:t>March 14, 2022</a:t>
+              <a:t>March 15, 2022</a:t>
             </a:fld>
             <a:endParaRPr lang="en-US"/>
           </a:p>
@@ -5999,6 +6127,670 @@
               <a:t>2</a:t>
             </a:fld>
             <a:endParaRPr lang="en-US"/>
+          </a:p>
+        </p:txBody>
+      </p:sp>
+      <p:sp>
+        <p:nvSpPr>
+          <p:cNvPr id="7" name="Content Placeholder 2">
+            <a:extLst>
+              <a:ext uri="{FF2B5EF4-FFF2-40B4-BE49-F238E27FC236}">
+                <a16:creationId xmlns:a16="http://schemas.microsoft.com/office/drawing/2014/main" id="{76F80B7C-FCD6-B64A-B045-72962E176FFD}"/>
+              </a:ext>
+            </a:extLst>
+          </p:cNvPr>
+          <p:cNvSpPr txBox="1">
+            <a:spLocks/>
+          </p:cNvSpPr>
+          <p:nvPr/>
+        </p:nvSpPr>
+        <p:spPr>
+          <a:xfrm>
+            <a:off x="838200" y="3771009"/>
+            <a:ext cx="10515600" cy="796166"/>
+          </a:xfrm>
+          <a:prstGeom prst="rect">
+            <a:avLst/>
+          </a:prstGeom>
+        </p:spPr>
+        <p:txBody>
+          <a:bodyPr vert="horz" lIns="91440" tIns="45720" rIns="91440" bIns="45720" rtlCol="0" anchor="ctr">
+            <a:normAutofit/>
+          </a:bodyPr>
+          <a:lstStyle>
+            <a:lvl1pPr marL="228600" indent="-228600" algn="l" defTabSz="914400" rtl="0" eaLnBrk="1" latinLnBrk="0" hangingPunct="1">
+              <a:lnSpc>
+                <a:spcPct val="90000"/>
+              </a:lnSpc>
+              <a:spcBef>
+                <a:spcPts val="1000"/>
+              </a:spcBef>
+              <a:buFont typeface="Arial" panose="020B0604020202020204" pitchFamily="34" charset="0"/>
+              <a:buChar char="•"/>
+              <a:defRPr sz="2400" kern="1200">
+                <a:solidFill>
+                  <a:schemeClr val="tx1"/>
+                </a:solidFill>
+                <a:latin typeface="Tahoma" panose="020B0604030504040204" pitchFamily="34" charset="0"/>
+                <a:ea typeface="Tahoma" panose="020B0604030504040204" pitchFamily="34" charset="0"/>
+                <a:cs typeface="Tahoma" panose="020B0604030504040204" pitchFamily="34" charset="0"/>
+              </a:defRPr>
+            </a:lvl1pPr>
+            <a:lvl2pPr marL="685800" indent="-228600" algn="l" defTabSz="914400" rtl="0" eaLnBrk="1" latinLnBrk="0" hangingPunct="1">
+              <a:lnSpc>
+                <a:spcPct val="90000"/>
+              </a:lnSpc>
+              <a:spcBef>
+                <a:spcPts val="500"/>
+              </a:spcBef>
+              <a:buFont typeface="Arial" panose="020B0604020202020204" pitchFamily="34" charset="0"/>
+              <a:buChar char="•"/>
+              <a:defRPr sz="2000" kern="1200">
+                <a:solidFill>
+                  <a:schemeClr val="tx1"/>
+                </a:solidFill>
+                <a:latin typeface="Tahoma" panose="020B0604030504040204" pitchFamily="34" charset="0"/>
+                <a:ea typeface="Tahoma" panose="020B0604030504040204" pitchFamily="34" charset="0"/>
+                <a:cs typeface="Tahoma" panose="020B0604030504040204" pitchFamily="34" charset="0"/>
+              </a:defRPr>
+            </a:lvl2pPr>
+            <a:lvl3pPr marL="1143000" indent="-228600" algn="l" defTabSz="914400" rtl="0" eaLnBrk="1" latinLnBrk="0" hangingPunct="1">
+              <a:lnSpc>
+                <a:spcPct val="90000"/>
+              </a:lnSpc>
+              <a:spcBef>
+                <a:spcPts val="500"/>
+              </a:spcBef>
+              <a:buFont typeface="Arial" panose="020B0604020202020204" pitchFamily="34" charset="0"/>
+              <a:buChar char="•"/>
+              <a:defRPr sz="1800" kern="1200">
+                <a:solidFill>
+                  <a:schemeClr val="tx1"/>
+                </a:solidFill>
+                <a:latin typeface="Tahoma" panose="020B0604030504040204" pitchFamily="34" charset="0"/>
+                <a:ea typeface="Tahoma" panose="020B0604030504040204" pitchFamily="34" charset="0"/>
+                <a:cs typeface="Tahoma" panose="020B0604030504040204" pitchFamily="34" charset="0"/>
+              </a:defRPr>
+            </a:lvl3pPr>
+            <a:lvl4pPr marL="1600200" indent="-228600" algn="l" defTabSz="914400" rtl="0" eaLnBrk="1" latinLnBrk="0" hangingPunct="1">
+              <a:lnSpc>
+                <a:spcPct val="90000"/>
+              </a:lnSpc>
+              <a:spcBef>
+                <a:spcPts val="500"/>
+              </a:spcBef>
+              <a:buFont typeface="Arial" panose="020B0604020202020204" pitchFamily="34" charset="0"/>
+              <a:buChar char="•"/>
+              <a:defRPr sz="1600" kern="1200">
+                <a:solidFill>
+                  <a:schemeClr val="tx1"/>
+                </a:solidFill>
+                <a:latin typeface="Tahoma" panose="020B0604030504040204" pitchFamily="34" charset="0"/>
+                <a:ea typeface="Tahoma" panose="020B0604030504040204" pitchFamily="34" charset="0"/>
+                <a:cs typeface="Tahoma" panose="020B0604030504040204" pitchFamily="34" charset="0"/>
+              </a:defRPr>
+            </a:lvl4pPr>
+            <a:lvl5pPr marL="2057400" indent="-228600" algn="l" defTabSz="914400" rtl="0" eaLnBrk="1" latinLnBrk="0" hangingPunct="1">
+              <a:lnSpc>
+                <a:spcPct val="90000"/>
+              </a:lnSpc>
+              <a:spcBef>
+                <a:spcPts val="500"/>
+              </a:spcBef>
+              <a:buFont typeface="Arial" panose="020B0604020202020204" pitchFamily="34" charset="0"/>
+              <a:buChar char="•"/>
+              <a:defRPr sz="1600" kern="1200">
+                <a:solidFill>
+                  <a:schemeClr val="tx1"/>
+                </a:solidFill>
+                <a:latin typeface="Tahoma" panose="020B0604030504040204" pitchFamily="34" charset="0"/>
+                <a:ea typeface="Tahoma" panose="020B0604030504040204" pitchFamily="34" charset="0"/>
+                <a:cs typeface="Tahoma" panose="020B0604030504040204" pitchFamily="34" charset="0"/>
+              </a:defRPr>
+            </a:lvl5pPr>
+            <a:lvl6pPr marL="2514600" indent="-228600" algn="l" defTabSz="914400" rtl="0" eaLnBrk="1" latinLnBrk="0" hangingPunct="1">
+              <a:lnSpc>
+                <a:spcPct val="90000"/>
+              </a:lnSpc>
+              <a:spcBef>
+                <a:spcPts val="500"/>
+              </a:spcBef>
+              <a:buFont typeface="Arial" panose="020B0604020202020204" pitchFamily="34" charset="0"/>
+              <a:buChar char="•"/>
+              <a:defRPr sz="1800" kern="1200">
+                <a:solidFill>
+                  <a:schemeClr val="tx1"/>
+                </a:solidFill>
+                <a:latin typeface="+mn-lt"/>
+                <a:ea typeface="+mn-ea"/>
+                <a:cs typeface="+mn-cs"/>
+              </a:defRPr>
+            </a:lvl6pPr>
+            <a:lvl7pPr marL="2971800" indent="-228600" algn="l" defTabSz="914400" rtl="0" eaLnBrk="1" latinLnBrk="0" hangingPunct="1">
+              <a:lnSpc>
+                <a:spcPct val="90000"/>
+              </a:lnSpc>
+              <a:spcBef>
+                <a:spcPts val="500"/>
+              </a:spcBef>
+              <a:buFont typeface="Arial" panose="020B0604020202020204" pitchFamily="34" charset="0"/>
+              <a:buChar char="•"/>
+              <a:defRPr sz="1800" kern="1200">
+                <a:solidFill>
+                  <a:schemeClr val="tx1"/>
+                </a:solidFill>
+                <a:latin typeface="+mn-lt"/>
+                <a:ea typeface="+mn-ea"/>
+                <a:cs typeface="+mn-cs"/>
+              </a:defRPr>
+            </a:lvl7pPr>
+            <a:lvl8pPr marL="3429000" indent="-228600" algn="l" defTabSz="914400" rtl="0" eaLnBrk="1" latinLnBrk="0" hangingPunct="1">
+              <a:lnSpc>
+                <a:spcPct val="90000"/>
+              </a:lnSpc>
+              <a:spcBef>
+                <a:spcPts val="500"/>
+              </a:spcBef>
+              <a:buFont typeface="Arial" panose="020B0604020202020204" pitchFamily="34" charset="0"/>
+              <a:buChar char="•"/>
+              <a:defRPr sz="1800" kern="1200">
+                <a:solidFill>
+                  <a:schemeClr val="tx1"/>
+                </a:solidFill>
+                <a:latin typeface="+mn-lt"/>
+                <a:ea typeface="+mn-ea"/>
+                <a:cs typeface="+mn-cs"/>
+              </a:defRPr>
+            </a:lvl8pPr>
+            <a:lvl9pPr marL="3886200" indent="-228600" algn="l" defTabSz="914400" rtl="0" eaLnBrk="1" latinLnBrk="0" hangingPunct="1">
+              <a:lnSpc>
+                <a:spcPct val="90000"/>
+              </a:lnSpc>
+              <a:spcBef>
+                <a:spcPts val="500"/>
+              </a:spcBef>
+              <a:buFont typeface="Arial" panose="020B0604020202020204" pitchFamily="34" charset="0"/>
+              <a:buChar char="•"/>
+              <a:defRPr sz="1800" kern="1200">
+                <a:solidFill>
+                  <a:schemeClr val="tx1"/>
+                </a:solidFill>
+                <a:latin typeface="+mn-lt"/>
+                <a:ea typeface="+mn-ea"/>
+                <a:cs typeface="+mn-cs"/>
+              </a:defRPr>
+            </a:lvl9pPr>
+          </a:lstStyle>
+          <a:p>
+            <a:r>
+              <a:rPr lang="en-US" dirty="0"/>
+              <a:t>Model 2: Determine which window is most likely to contain the p-wave</a:t>
+            </a:r>
+          </a:p>
+        </p:txBody>
+      </p:sp>
+      <p:sp>
+        <p:nvSpPr>
+          <p:cNvPr id="8" name="Rectangle 7">
+            <a:extLst>
+              <a:ext uri="{FF2B5EF4-FFF2-40B4-BE49-F238E27FC236}">
+                <a16:creationId xmlns:a16="http://schemas.microsoft.com/office/drawing/2014/main" id="{1494D4DE-ABC2-1143-95F8-5609AB7DCE79}"/>
+              </a:ext>
+            </a:extLst>
+          </p:cNvPr>
+          <p:cNvSpPr/>
+          <p:nvPr/>
+        </p:nvSpPr>
+        <p:spPr>
+          <a:xfrm>
+            <a:off x="838200" y="2621791"/>
+            <a:ext cx="10515600" cy="625906"/>
+          </a:xfrm>
+          <a:prstGeom prst="rect">
+            <a:avLst/>
+          </a:prstGeom>
+          <a:solidFill>
+            <a:schemeClr val="accent2">
+              <a:lumMod val="60000"/>
+              <a:lumOff val="40000"/>
+            </a:schemeClr>
+          </a:solidFill>
+          <a:ln>
+            <a:noFill/>
+          </a:ln>
+        </p:spPr>
+        <p:style>
+          <a:lnRef idx="2">
+            <a:schemeClr val="accent1">
+              <a:shade val="50000"/>
+            </a:schemeClr>
+          </a:lnRef>
+          <a:fillRef idx="1">
+            <a:schemeClr val="accent1"/>
+          </a:fillRef>
+          <a:effectRef idx="0">
+            <a:schemeClr val="accent1"/>
+          </a:effectRef>
+          <a:fontRef idx="minor">
+            <a:schemeClr val="lt1"/>
+          </a:fontRef>
+        </p:style>
+        <p:txBody>
+          <a:bodyPr rtlCol="0" anchor="ctr"/>
+          <a:lstStyle/>
+          <a:p>
+            <a:pPr algn="ctr"/>
+            <a:endParaRPr lang="en-US"/>
+          </a:p>
+        </p:txBody>
+      </p:sp>
+      <p:sp>
+        <p:nvSpPr>
+          <p:cNvPr id="10" name="Rectangle 9">
+            <a:extLst>
+              <a:ext uri="{FF2B5EF4-FFF2-40B4-BE49-F238E27FC236}">
+                <a16:creationId xmlns:a16="http://schemas.microsoft.com/office/drawing/2014/main" id="{83439B47-2B65-1D48-AE06-39D89A3E395F}"/>
+              </a:ext>
+            </a:extLst>
+          </p:cNvPr>
+          <p:cNvSpPr/>
+          <p:nvPr/>
+        </p:nvSpPr>
+        <p:spPr>
+          <a:xfrm>
+            <a:off x="838200" y="4567175"/>
+            <a:ext cx="1051560" cy="625906"/>
+          </a:xfrm>
+          <a:prstGeom prst="rect">
+            <a:avLst/>
+          </a:prstGeom>
+          <a:solidFill>
+            <a:schemeClr val="accent6">
+              <a:lumMod val="60000"/>
+              <a:lumOff val="40000"/>
+            </a:schemeClr>
+          </a:solidFill>
+          <a:ln>
+            <a:noFill/>
+          </a:ln>
+        </p:spPr>
+        <p:style>
+          <a:lnRef idx="2">
+            <a:schemeClr val="accent1">
+              <a:shade val="50000"/>
+            </a:schemeClr>
+          </a:lnRef>
+          <a:fillRef idx="1">
+            <a:schemeClr val="accent1"/>
+          </a:fillRef>
+          <a:effectRef idx="0">
+            <a:schemeClr val="accent1"/>
+          </a:effectRef>
+          <a:fontRef idx="minor">
+            <a:schemeClr val="lt1"/>
+          </a:fontRef>
+        </p:style>
+        <p:txBody>
+          <a:bodyPr rtlCol="0" anchor="ctr"/>
+          <a:lstStyle/>
+          <a:p>
+            <a:pPr algn="ctr"/>
+            <a:endParaRPr lang="en-US"/>
+          </a:p>
+        </p:txBody>
+      </p:sp>
+      <p:sp>
+        <p:nvSpPr>
+          <p:cNvPr id="11" name="Rectangle 10">
+            <a:extLst>
+              <a:ext uri="{FF2B5EF4-FFF2-40B4-BE49-F238E27FC236}">
+                <a16:creationId xmlns:a16="http://schemas.microsoft.com/office/drawing/2014/main" id="{63F5EAC9-CCE3-9A48-B031-D64C32E152B0}"/>
+              </a:ext>
+            </a:extLst>
+          </p:cNvPr>
+          <p:cNvSpPr/>
+          <p:nvPr/>
+        </p:nvSpPr>
+        <p:spPr>
+          <a:xfrm>
+            <a:off x="5016904" y="4567175"/>
+            <a:ext cx="1051560" cy="625906"/>
+          </a:xfrm>
+          <a:prstGeom prst="rect">
+            <a:avLst/>
+          </a:prstGeom>
+          <a:solidFill>
+            <a:schemeClr val="accent6">
+              <a:lumMod val="60000"/>
+              <a:lumOff val="40000"/>
+            </a:schemeClr>
+          </a:solidFill>
+          <a:ln>
+            <a:noFill/>
+          </a:ln>
+        </p:spPr>
+        <p:style>
+          <a:lnRef idx="2">
+            <a:schemeClr val="accent1">
+              <a:shade val="50000"/>
+            </a:schemeClr>
+          </a:lnRef>
+          <a:fillRef idx="1">
+            <a:schemeClr val="accent1"/>
+          </a:fillRef>
+          <a:effectRef idx="0">
+            <a:schemeClr val="accent1"/>
+          </a:effectRef>
+          <a:fontRef idx="minor">
+            <a:schemeClr val="lt1"/>
+          </a:fontRef>
+        </p:style>
+        <p:txBody>
+          <a:bodyPr rtlCol="0" anchor="ctr"/>
+          <a:lstStyle/>
+          <a:p>
+            <a:pPr algn="ctr"/>
+            <a:endParaRPr lang="en-US"/>
+          </a:p>
+        </p:txBody>
+      </p:sp>
+      <p:sp>
+        <p:nvSpPr>
+          <p:cNvPr id="12" name="Rectangle 11">
+            <a:extLst>
+              <a:ext uri="{FF2B5EF4-FFF2-40B4-BE49-F238E27FC236}">
+                <a16:creationId xmlns:a16="http://schemas.microsoft.com/office/drawing/2014/main" id="{DED552D4-E4F6-2048-B0AE-36443971F0BE}"/>
+              </a:ext>
+            </a:extLst>
+          </p:cNvPr>
+          <p:cNvSpPr/>
+          <p:nvPr/>
+        </p:nvSpPr>
+        <p:spPr>
+          <a:xfrm>
+            <a:off x="2927552" y="4567175"/>
+            <a:ext cx="1051560" cy="625906"/>
+          </a:xfrm>
+          <a:prstGeom prst="rect">
+            <a:avLst/>
+          </a:prstGeom>
+          <a:solidFill>
+            <a:schemeClr val="accent6">
+              <a:lumMod val="60000"/>
+              <a:lumOff val="40000"/>
+            </a:schemeClr>
+          </a:solidFill>
+          <a:ln>
+            <a:noFill/>
+          </a:ln>
+        </p:spPr>
+        <p:style>
+          <a:lnRef idx="2">
+            <a:schemeClr val="accent1">
+              <a:shade val="50000"/>
+            </a:schemeClr>
+          </a:lnRef>
+          <a:fillRef idx="1">
+            <a:schemeClr val="accent1"/>
+          </a:fillRef>
+          <a:effectRef idx="0">
+            <a:schemeClr val="accent1"/>
+          </a:effectRef>
+          <a:fontRef idx="minor">
+            <a:schemeClr val="lt1"/>
+          </a:fontRef>
+        </p:style>
+        <p:txBody>
+          <a:bodyPr rtlCol="0" anchor="ctr"/>
+          <a:lstStyle/>
+          <a:p>
+            <a:pPr algn="ctr"/>
+            <a:endParaRPr lang="en-US"/>
+          </a:p>
+        </p:txBody>
+      </p:sp>
+      <p:sp>
+        <p:nvSpPr>
+          <p:cNvPr id="13" name="Rectangle 12">
+            <a:extLst>
+              <a:ext uri="{FF2B5EF4-FFF2-40B4-BE49-F238E27FC236}">
+                <a16:creationId xmlns:a16="http://schemas.microsoft.com/office/drawing/2014/main" id="{E4CFCFB9-10B5-0C45-8FF5-CF572FE9E096}"/>
+              </a:ext>
+            </a:extLst>
+          </p:cNvPr>
+          <p:cNvSpPr/>
+          <p:nvPr/>
+        </p:nvSpPr>
+        <p:spPr>
+          <a:xfrm>
+            <a:off x="7106256" y="4567175"/>
+            <a:ext cx="1051560" cy="625906"/>
+          </a:xfrm>
+          <a:prstGeom prst="rect">
+            <a:avLst/>
+          </a:prstGeom>
+          <a:solidFill>
+            <a:schemeClr val="accent6">
+              <a:lumMod val="60000"/>
+              <a:lumOff val="40000"/>
+            </a:schemeClr>
+          </a:solidFill>
+          <a:ln>
+            <a:noFill/>
+          </a:ln>
+        </p:spPr>
+        <p:style>
+          <a:lnRef idx="2">
+            <a:schemeClr val="accent1">
+              <a:shade val="50000"/>
+            </a:schemeClr>
+          </a:lnRef>
+          <a:fillRef idx="1">
+            <a:schemeClr val="accent1"/>
+          </a:fillRef>
+          <a:effectRef idx="0">
+            <a:schemeClr val="accent1"/>
+          </a:effectRef>
+          <a:fontRef idx="minor">
+            <a:schemeClr val="lt1"/>
+          </a:fontRef>
+        </p:style>
+        <p:txBody>
+          <a:bodyPr rtlCol="0" anchor="ctr"/>
+          <a:lstStyle/>
+          <a:p>
+            <a:pPr algn="ctr"/>
+            <a:endParaRPr lang="en-US"/>
+          </a:p>
+        </p:txBody>
+      </p:sp>
+      <p:sp>
+        <p:nvSpPr>
+          <p:cNvPr id="14" name="Rectangle 13">
+            <a:extLst>
+              <a:ext uri="{FF2B5EF4-FFF2-40B4-BE49-F238E27FC236}">
+                <a16:creationId xmlns:a16="http://schemas.microsoft.com/office/drawing/2014/main" id="{09C80081-C232-E341-8774-DA76450B5CD2}"/>
+              </a:ext>
+            </a:extLst>
+          </p:cNvPr>
+          <p:cNvSpPr/>
+          <p:nvPr/>
+        </p:nvSpPr>
+        <p:spPr>
+          <a:xfrm>
+            <a:off x="9195608" y="4567175"/>
+            <a:ext cx="1051560" cy="625906"/>
+          </a:xfrm>
+          <a:prstGeom prst="rect">
+            <a:avLst/>
+          </a:prstGeom>
+          <a:solidFill>
+            <a:schemeClr val="accent6">
+              <a:lumMod val="60000"/>
+              <a:lumOff val="40000"/>
+            </a:schemeClr>
+          </a:solidFill>
+          <a:ln>
+            <a:noFill/>
+          </a:ln>
+        </p:spPr>
+        <p:style>
+          <a:lnRef idx="2">
+            <a:schemeClr val="accent1">
+              <a:shade val="50000"/>
+            </a:schemeClr>
+          </a:lnRef>
+          <a:fillRef idx="1">
+            <a:schemeClr val="accent1"/>
+          </a:fillRef>
+          <a:effectRef idx="0">
+            <a:schemeClr val="accent1"/>
+          </a:effectRef>
+          <a:fontRef idx="minor">
+            <a:schemeClr val="lt1"/>
+          </a:fontRef>
+        </p:style>
+        <p:txBody>
+          <a:bodyPr rtlCol="0" anchor="ctr"/>
+          <a:lstStyle/>
+          <a:p>
+            <a:pPr algn="ctr"/>
+            <a:endParaRPr lang="en-US"/>
+          </a:p>
+        </p:txBody>
+      </p:sp>
+      <p:sp>
+        <p:nvSpPr>
+          <p:cNvPr id="16" name="TextBox 15">
+            <a:hlinkClick r:id="rId2" action="ppaction://hlinksldjump"/>
+            <a:extLst>
+              <a:ext uri="{FF2B5EF4-FFF2-40B4-BE49-F238E27FC236}">
+                <a16:creationId xmlns:a16="http://schemas.microsoft.com/office/drawing/2014/main" id="{790A271A-DECF-E94C-8D7C-90AF413772F2}"/>
+              </a:ext>
+            </a:extLst>
+          </p:cNvPr>
+          <p:cNvSpPr txBox="1"/>
+          <p:nvPr/>
+        </p:nvSpPr>
+        <p:spPr>
+          <a:xfrm>
+            <a:off x="1364918" y="230469"/>
+            <a:ext cx="2286000" cy="278534"/>
+          </a:xfrm>
+          <a:prstGeom prst="rect">
+            <a:avLst/>
+          </a:prstGeom>
+        </p:spPr>
+        <p:txBody>
+          <a:bodyPr vert="horz" wrap="square" lIns="91440" tIns="45720" rIns="91440" bIns="45720" rtlCol="0" anchor="ctr">
+            <a:noAutofit/>
+          </a:bodyPr>
+          <a:lstStyle/>
+          <a:p>
+            <a:pPr algn="ctr"/>
+            <a:r>
+              <a:rPr lang="en-GB" sz="1400" b="1" dirty="0">
+                <a:solidFill>
+                  <a:schemeClr val="bg1"/>
+                </a:solidFill>
+                <a:latin typeface="Tahoma" panose="020B0604030504040204" pitchFamily="34" charset="0"/>
+                <a:ea typeface="Tahoma" panose="020B0604030504040204" pitchFamily="34" charset="0"/>
+                <a:cs typeface="Tahoma" panose="020B0604030504040204" pitchFamily="34" charset="0"/>
+              </a:rPr>
+              <a:t>General Approach</a:t>
+            </a:r>
+          </a:p>
+        </p:txBody>
+      </p:sp>
+      <p:sp>
+        <p:nvSpPr>
+          <p:cNvPr id="17" name="TextBox 16">
+            <a:hlinkClick r:id="rId3" action="ppaction://hlinksldjump"/>
+            <a:extLst>
+              <a:ext uri="{FF2B5EF4-FFF2-40B4-BE49-F238E27FC236}">
+                <a16:creationId xmlns:a16="http://schemas.microsoft.com/office/drawing/2014/main" id="{6D9864CD-5FC9-924E-8EE8-4C2128534948}"/>
+              </a:ext>
+            </a:extLst>
+          </p:cNvPr>
+          <p:cNvSpPr txBox="1"/>
+          <p:nvPr/>
+        </p:nvSpPr>
+        <p:spPr>
+          <a:xfrm>
+            <a:off x="4953000" y="230469"/>
+            <a:ext cx="2286000" cy="278534"/>
+          </a:xfrm>
+          <a:prstGeom prst="rect">
+            <a:avLst/>
+          </a:prstGeom>
+        </p:spPr>
+        <p:txBody>
+          <a:bodyPr vert="horz" wrap="square" lIns="91440" tIns="45720" rIns="91440" bIns="45720" rtlCol="0" anchor="ctr">
+            <a:noAutofit/>
+          </a:bodyPr>
+          <a:lstStyle/>
+          <a:p>
+            <a:pPr algn="ctr"/>
+            <a:r>
+              <a:rPr lang="en-GB" sz="1400" b="1" dirty="0">
+                <a:solidFill>
+                  <a:schemeClr val="tx1">
+                    <a:lumMod val="50000"/>
+                    <a:lumOff val="50000"/>
+                  </a:schemeClr>
+                </a:solidFill>
+                <a:latin typeface="Tahoma" panose="020B0604030504040204" pitchFamily="34" charset="0"/>
+                <a:ea typeface="Tahoma" panose="020B0604030504040204" pitchFamily="34" charset="0"/>
+                <a:cs typeface="Tahoma" panose="020B0604030504040204" pitchFamily="34" charset="0"/>
+              </a:rPr>
+              <a:t>Model Selection</a:t>
+            </a:r>
+          </a:p>
+        </p:txBody>
+      </p:sp>
+      <p:sp>
+        <p:nvSpPr>
+          <p:cNvPr id="18" name="TextBox 17">
+            <a:hlinkClick r:id="" action="ppaction://noaction"/>
+            <a:extLst>
+              <a:ext uri="{FF2B5EF4-FFF2-40B4-BE49-F238E27FC236}">
+                <a16:creationId xmlns:a16="http://schemas.microsoft.com/office/drawing/2014/main" id="{2FBFD8ED-1C4F-1445-96D1-E9EB0E914263}"/>
+              </a:ext>
+            </a:extLst>
+          </p:cNvPr>
+          <p:cNvSpPr txBox="1"/>
+          <p:nvPr/>
+        </p:nvSpPr>
+        <p:spPr>
+          <a:xfrm>
+            <a:off x="8541082" y="228004"/>
+            <a:ext cx="2286000" cy="283464"/>
+          </a:xfrm>
+          <a:prstGeom prst="rect">
+            <a:avLst/>
+          </a:prstGeom>
+        </p:spPr>
+        <p:txBody>
+          <a:bodyPr vert="horz" wrap="square" lIns="91440" tIns="45720" rIns="91440" bIns="45720" rtlCol="0" anchor="ctr">
+            <a:noAutofit/>
+          </a:bodyPr>
+          <a:lstStyle/>
+          <a:p>
+            <a:pPr algn="ctr"/>
+            <a:r>
+              <a:rPr lang="en-GB" sz="1400" b="1" dirty="0">
+                <a:solidFill>
+                  <a:schemeClr val="tx1">
+                    <a:lumMod val="50000"/>
+                    <a:lumOff val="50000"/>
+                  </a:schemeClr>
+                </a:solidFill>
+                <a:latin typeface="Tahoma" panose="020B0604030504040204" pitchFamily="34" charset="0"/>
+                <a:ea typeface="Tahoma" panose="020B0604030504040204" pitchFamily="34" charset="0"/>
+                <a:cs typeface="Tahoma" panose="020B0604030504040204" pitchFamily="34" charset="0"/>
+              </a:rPr>
+              <a:t>Tuning Parameters</a:t>
+            </a:r>
           </a:p>
         </p:txBody>
       </p:sp>
@@ -6037,7 +6829,7 @@
           <p:cNvPr id="2" name="Title 1">
             <a:extLst>
               <a:ext uri="{FF2B5EF4-FFF2-40B4-BE49-F238E27FC236}">
-                <a16:creationId xmlns:a16="http://schemas.microsoft.com/office/drawing/2014/main" id="{B3C8A03D-8067-3347-BE75-4A85E7138DCF}"/>
+                <a16:creationId xmlns:a16="http://schemas.microsoft.com/office/drawing/2014/main" id="{02A2C371-A83D-3F47-9F42-C3C772A09CD6}"/>
               </a:ext>
             </a:extLst>
           </p:cNvPr>
@@ -6055,7 +6847,7 @@
           <a:p>
             <a:r>
               <a:rPr lang="en-US" dirty="0"/>
-              <a:t>Training Network Model</a:t>
+              <a:t>Features Considered</a:t>
             </a:r>
           </a:p>
         </p:txBody>
@@ -6065,7 +6857,7 @@
           <p:cNvPr id="3" name="Content Placeholder 2">
             <a:extLst>
               <a:ext uri="{FF2B5EF4-FFF2-40B4-BE49-F238E27FC236}">
-                <a16:creationId xmlns:a16="http://schemas.microsoft.com/office/drawing/2014/main" id="{C0B69191-6C29-BC41-A9CE-4BC25EDEF415}"/>
+                <a16:creationId xmlns:a16="http://schemas.microsoft.com/office/drawing/2014/main" id="{1352AF56-4586-C949-8FD3-F6317723EA9F}"/>
               </a:ext>
             </a:extLst>
           </p:cNvPr>
@@ -6074,6 +6866,70 @@
           </p:cNvSpPr>
           <p:nvPr>
             <p:ph idx="1"/>
+          </p:nvPr>
+        </p:nvSpPr>
+        <p:spPr/>
+        <p:txBody>
+          <a:bodyPr anchor="ctr"/>
+          <a:lstStyle/>
+          <a:p>
+            <a:r>
+              <a:rPr lang="en-US" dirty="0"/>
+              <a:t>Long Term Rolling Average (50 Samples)</a:t>
+            </a:r>
+          </a:p>
+          <a:p>
+            <a:r>
+              <a:rPr lang="en-US" dirty="0"/>
+              <a:t>Short Term Rolling Average (25 Samples)</a:t>
+            </a:r>
+          </a:p>
+          <a:p>
+            <a:endParaRPr lang="en-US" dirty="0"/>
+          </a:p>
+          <a:p>
+            <a:r>
+              <a:rPr lang="en-US" dirty="0"/>
+              <a:t>Long Term Rolling Variance (50 Samples)</a:t>
+            </a:r>
+          </a:p>
+          <a:p>
+            <a:r>
+              <a:rPr lang="en-US" dirty="0"/>
+              <a:t>Short Term Rolling Variance (25 Samples)</a:t>
+            </a:r>
+          </a:p>
+          <a:p>
+            <a:endParaRPr lang="en-US" dirty="0"/>
+          </a:p>
+          <a:p>
+            <a:r>
+              <a:rPr lang="en-US" dirty="0"/>
+              <a:t>Trace Values</a:t>
+            </a:r>
+          </a:p>
+          <a:p>
+            <a:r>
+              <a:rPr lang="en-US" dirty="0"/>
+              <a:t>Magnitude of Trace Values</a:t>
+            </a:r>
+          </a:p>
+        </p:txBody>
+      </p:sp>
+      <p:sp>
+        <p:nvSpPr>
+          <p:cNvPr id="4" name="Date Placeholder 3">
+            <a:extLst>
+              <a:ext uri="{FF2B5EF4-FFF2-40B4-BE49-F238E27FC236}">
+                <a16:creationId xmlns:a16="http://schemas.microsoft.com/office/drawing/2014/main" id="{A5D99A05-3872-8242-A9C5-F3A5D025EB19}"/>
+              </a:ext>
+            </a:extLst>
+          </p:cNvPr>
+          <p:cNvSpPr>
+            <a:spLocks noGrp="1"/>
+          </p:cNvSpPr>
+          <p:nvPr>
+            <p:ph type="dt" sz="half" idx="10"/>
           </p:nvPr>
         </p:nvSpPr>
         <p:spPr/>
@@ -6081,53 +6937,28 @@
           <a:bodyPr/>
           <a:lstStyle/>
           <a:p>
-            <a:r>
-              <a:rPr lang="en-US" dirty="0"/>
-              <a:t>CNN LSTM</a:t>
-            </a:r>
-          </a:p>
-          <a:p>
-            <a:pPr lvl="1"/>
-            <a:r>
-              <a:rPr lang="en-US" dirty="0"/>
-              <a:t>Signal model to identify p-wave</a:t>
-            </a:r>
-          </a:p>
-          <a:p>
-            <a:pPr lvl="1"/>
-            <a:r>
-              <a:rPr lang="en-US" dirty="0"/>
-              <a:t>Location model to find start point of p-wave</a:t>
-            </a:r>
-          </a:p>
-          <a:p>
-            <a:r>
-              <a:rPr lang="en-US" dirty="0"/>
-              <a:t>Window side</a:t>
-            </a:r>
-          </a:p>
-          <a:p>
-            <a:pPr marL="0" indent="0">
-              <a:buNone/>
-            </a:pPr>
-            <a:endParaRPr lang="en-US" dirty="0"/>
-          </a:p>
-        </p:txBody>
-      </p:sp>
-      <p:sp>
-        <p:nvSpPr>
-          <p:cNvPr id="4" name="Date Placeholder 3">
-            <a:extLst>
-              <a:ext uri="{FF2B5EF4-FFF2-40B4-BE49-F238E27FC236}">
-                <a16:creationId xmlns:a16="http://schemas.microsoft.com/office/drawing/2014/main" id="{10AEFF07-8B30-2045-9F04-A7C3A6C75A9B}"/>
-              </a:ext>
-            </a:extLst>
-          </p:cNvPr>
-          <p:cNvSpPr>
-            <a:spLocks noGrp="1"/>
-          </p:cNvSpPr>
-          <p:nvPr>
-            <p:ph type="dt" sz="half" idx="10"/>
+            <a:fld id="{C56F6960-91EC-3141-AA2A-8A719A32A9B2}" type="datetime4">
+              <a:rPr lang="en-US" smtClean="0"/>
+              <a:t>March 15, 2022</a:t>
+            </a:fld>
+            <a:endParaRPr lang="en-US"/>
+          </a:p>
+        </p:txBody>
+      </p:sp>
+      <p:sp>
+        <p:nvSpPr>
+          <p:cNvPr id="5" name="Footer Placeholder 4">
+            <a:extLst>
+              <a:ext uri="{FF2B5EF4-FFF2-40B4-BE49-F238E27FC236}">
+                <a16:creationId xmlns:a16="http://schemas.microsoft.com/office/drawing/2014/main" id="{7E90A789-2A82-FA4E-BAD8-ADD3B9D48513}"/>
+              </a:ext>
+            </a:extLst>
+          </p:cNvPr>
+          <p:cNvSpPr>
+            <a:spLocks noGrp="1"/>
+          </p:cNvSpPr>
+          <p:nvPr>
+            <p:ph type="ftr" sz="quarter" idx="11"/>
           </p:nvPr>
         </p:nvSpPr>
         <p:spPr/>
@@ -6135,35 +6966,6 @@
           <a:bodyPr/>
           <a:lstStyle/>
           <a:p>
-            <a:fld id="{C56F6960-91EC-3141-AA2A-8A719A32A9B2}" type="datetime4">
-              <a:rPr lang="en-US" smtClean="0"/>
-              <a:t>March 14, 2022</a:t>
-            </a:fld>
-            <a:endParaRPr lang="en-US"/>
-          </a:p>
-        </p:txBody>
-      </p:sp>
-      <p:sp>
-        <p:nvSpPr>
-          <p:cNvPr id="5" name="Footer Placeholder 4">
-            <a:extLst>
-              <a:ext uri="{FF2B5EF4-FFF2-40B4-BE49-F238E27FC236}">
-                <a16:creationId xmlns:a16="http://schemas.microsoft.com/office/drawing/2014/main" id="{B08C6B7E-8543-E844-8003-CBA6385CBC12}"/>
-              </a:ext>
-            </a:extLst>
-          </p:cNvPr>
-          <p:cNvSpPr>
-            <a:spLocks noGrp="1"/>
-          </p:cNvSpPr>
-          <p:nvPr>
-            <p:ph type="ftr" sz="quarter" idx="11"/>
-          </p:nvPr>
-        </p:nvSpPr>
-        <p:spPr/>
-        <p:txBody>
-          <a:bodyPr/>
-          <a:lstStyle/>
-          <a:p>
             <a:r>
               <a:rPr lang="en-US" dirty="0"/>
               <a:t>Team 1</a:t>
@@ -6176,7 +6978,7 @@
           <p:cNvPr id="6" name="Slide Number Placeholder 5">
             <a:extLst>
               <a:ext uri="{FF2B5EF4-FFF2-40B4-BE49-F238E27FC236}">
-                <a16:creationId xmlns:a16="http://schemas.microsoft.com/office/drawing/2014/main" id="{68C884B7-8415-E344-9569-F544AB1501C1}"/>
+                <a16:creationId xmlns:a16="http://schemas.microsoft.com/office/drawing/2014/main" id="{3B3FA135-4D8A-9A4A-904F-1F8473ED7882}"/>
               </a:ext>
             </a:extLst>
           </p:cNvPr>
@@ -6201,10 +7003,145 @@
           </a:p>
         </p:txBody>
       </p:sp>
+      <p:sp>
+        <p:nvSpPr>
+          <p:cNvPr id="7" name="TextBox 6">
+            <a:hlinkClick r:id="rId3" action="ppaction://hlinksldjump"/>
+            <a:extLst>
+              <a:ext uri="{FF2B5EF4-FFF2-40B4-BE49-F238E27FC236}">
+                <a16:creationId xmlns:a16="http://schemas.microsoft.com/office/drawing/2014/main" id="{1662554E-2484-C94F-9C01-DD66B5C3CE7C}"/>
+              </a:ext>
+            </a:extLst>
+          </p:cNvPr>
+          <p:cNvSpPr txBox="1"/>
+          <p:nvPr/>
+        </p:nvSpPr>
+        <p:spPr>
+          <a:xfrm>
+            <a:off x="1364918" y="230469"/>
+            <a:ext cx="2286000" cy="278534"/>
+          </a:xfrm>
+          <a:prstGeom prst="rect">
+            <a:avLst/>
+          </a:prstGeom>
+        </p:spPr>
+        <p:txBody>
+          <a:bodyPr vert="horz" wrap="square" lIns="91440" tIns="45720" rIns="91440" bIns="45720" rtlCol="0" anchor="ctr">
+            <a:noAutofit/>
+          </a:bodyPr>
+          <a:lstStyle/>
+          <a:p>
+            <a:pPr algn="ctr"/>
+            <a:r>
+              <a:rPr lang="en-GB" sz="1400" b="1" dirty="0">
+                <a:solidFill>
+                  <a:schemeClr val="bg1"/>
+                </a:solidFill>
+                <a:latin typeface="Tahoma" panose="020B0604030504040204" pitchFamily="34" charset="0"/>
+                <a:ea typeface="Tahoma" panose="020B0604030504040204" pitchFamily="34" charset="0"/>
+                <a:cs typeface="Tahoma" panose="020B0604030504040204" pitchFamily="34" charset="0"/>
+              </a:rPr>
+              <a:t>General Approach</a:t>
+            </a:r>
+          </a:p>
+        </p:txBody>
+      </p:sp>
+      <p:sp>
+        <p:nvSpPr>
+          <p:cNvPr id="8" name="TextBox 7">
+            <a:hlinkClick r:id="rId4" action="ppaction://hlinksldjump"/>
+            <a:extLst>
+              <a:ext uri="{FF2B5EF4-FFF2-40B4-BE49-F238E27FC236}">
+                <a16:creationId xmlns:a16="http://schemas.microsoft.com/office/drawing/2014/main" id="{2EE5EEA7-40A5-D04C-BEF3-F82C3021CBC2}"/>
+              </a:ext>
+            </a:extLst>
+          </p:cNvPr>
+          <p:cNvSpPr txBox="1"/>
+          <p:nvPr/>
+        </p:nvSpPr>
+        <p:spPr>
+          <a:xfrm>
+            <a:off x="4953000" y="230469"/>
+            <a:ext cx="2286000" cy="278534"/>
+          </a:xfrm>
+          <a:prstGeom prst="rect">
+            <a:avLst/>
+          </a:prstGeom>
+        </p:spPr>
+        <p:txBody>
+          <a:bodyPr vert="horz" wrap="square" lIns="91440" tIns="45720" rIns="91440" bIns="45720" rtlCol="0" anchor="ctr">
+            <a:noAutofit/>
+          </a:bodyPr>
+          <a:lstStyle/>
+          <a:p>
+            <a:pPr algn="ctr"/>
+            <a:r>
+              <a:rPr lang="en-GB" sz="1400" b="1" dirty="0">
+                <a:solidFill>
+                  <a:schemeClr val="tx1">
+                    <a:lumMod val="50000"/>
+                    <a:lumOff val="50000"/>
+                  </a:schemeClr>
+                </a:solidFill>
+                <a:latin typeface="Tahoma" panose="020B0604030504040204" pitchFamily="34" charset="0"/>
+                <a:ea typeface="Tahoma" panose="020B0604030504040204" pitchFamily="34" charset="0"/>
+                <a:cs typeface="Tahoma" panose="020B0604030504040204" pitchFamily="34" charset="0"/>
+              </a:rPr>
+              <a:t>Model Selection</a:t>
+            </a:r>
+          </a:p>
+        </p:txBody>
+      </p:sp>
+      <p:sp>
+        <p:nvSpPr>
+          <p:cNvPr id="9" name="TextBox 8">
+            <a:hlinkClick r:id="" action="ppaction://noaction"/>
+            <a:extLst>
+              <a:ext uri="{FF2B5EF4-FFF2-40B4-BE49-F238E27FC236}">
+                <a16:creationId xmlns:a16="http://schemas.microsoft.com/office/drawing/2014/main" id="{C2CEB2C3-56DC-C845-AFE2-24DB2097B02F}"/>
+              </a:ext>
+            </a:extLst>
+          </p:cNvPr>
+          <p:cNvSpPr txBox="1"/>
+          <p:nvPr/>
+        </p:nvSpPr>
+        <p:spPr>
+          <a:xfrm>
+            <a:off x="8541082" y="228004"/>
+            <a:ext cx="2286000" cy="283464"/>
+          </a:xfrm>
+          <a:prstGeom prst="rect">
+            <a:avLst/>
+          </a:prstGeom>
+        </p:spPr>
+        <p:txBody>
+          <a:bodyPr vert="horz" wrap="square" lIns="91440" tIns="45720" rIns="91440" bIns="45720" rtlCol="0" anchor="ctr">
+            <a:noAutofit/>
+          </a:bodyPr>
+          <a:lstStyle/>
+          <a:p>
+            <a:pPr algn="ctr"/>
+            <a:r>
+              <a:rPr lang="en-GB" sz="1400" b="1" dirty="0">
+                <a:solidFill>
+                  <a:schemeClr val="tx1">
+                    <a:lumMod val="50000"/>
+                    <a:lumOff val="50000"/>
+                  </a:schemeClr>
+                </a:solidFill>
+                <a:latin typeface="Tahoma" panose="020B0604030504040204" pitchFamily="34" charset="0"/>
+                <a:ea typeface="Tahoma" panose="020B0604030504040204" pitchFamily="34" charset="0"/>
+                <a:cs typeface="Tahoma" panose="020B0604030504040204" pitchFamily="34" charset="0"/>
+              </a:rPr>
+              <a:t>Tuning Parameters</a:t>
+            </a:r>
+          </a:p>
+        </p:txBody>
+      </p:sp>
     </p:spTree>
     <p:extLst>
       <p:ext uri="{BB962C8B-B14F-4D97-AF65-F5344CB8AC3E}">
-        <p14:creationId xmlns:p14="http://schemas.microsoft.com/office/powerpoint/2010/main" val="3781216248"/>
+        <p14:creationId xmlns:p14="http://schemas.microsoft.com/office/powerpoint/2010/main" val="1744393708"/>
       </p:ext>
     </p:extLst>
   </p:cSld>
@@ -6254,7 +7191,7 @@
           <a:p>
             <a:r>
               <a:rPr lang="en-US" dirty="0"/>
-              <a:t>Prediction</a:t>
+              <a:t>Models Considered</a:t>
             </a:r>
           </a:p>
         </p:txBody>
@@ -6282,10 +7219,33 @@
           <a:p>
             <a:r>
               <a:rPr lang="en-US" dirty="0"/>
-              <a:t>p and s threshold with plot</a:t>
-            </a:r>
-          </a:p>
-          <a:p>
+              <a:t>CNN LSTM</a:t>
+            </a:r>
+          </a:p>
+          <a:p>
+            <a:pPr lvl="1"/>
+            <a:r>
+              <a:rPr lang="en-US" dirty="0"/>
+              <a:t>Signal model to identify p-wave</a:t>
+            </a:r>
+          </a:p>
+          <a:p>
+            <a:pPr lvl="1"/>
+            <a:r>
+              <a:rPr lang="en-US" dirty="0"/>
+              <a:t>Location model to find start point of p-wave</a:t>
+            </a:r>
+          </a:p>
+          <a:p>
+            <a:r>
+              <a:rPr lang="en-US" dirty="0"/>
+              <a:t>Window side</a:t>
+            </a:r>
+          </a:p>
+          <a:p>
+            <a:pPr marL="0" indent="0">
+              <a:buNone/>
+            </a:pPr>
             <a:endParaRPr lang="en-US" dirty="0"/>
           </a:p>
         </p:txBody>
@@ -6313,7 +7273,7 @@
           <a:p>
             <a:fld id="{C56F6960-91EC-3141-AA2A-8A719A32A9B2}" type="datetime4">
               <a:rPr lang="en-US" smtClean="0"/>
-              <a:t>March 14, 2022</a:t>
+              <a:t>March 15, 2022</a:t>
             </a:fld>
             <a:endParaRPr lang="en-US"/>
           </a:p>
@@ -6374,6 +7334,783 @@
               <a:t>4</a:t>
             </a:fld>
             <a:endParaRPr lang="en-US"/>
+          </a:p>
+        </p:txBody>
+      </p:sp>
+      <p:sp>
+        <p:nvSpPr>
+          <p:cNvPr id="7" name="TextBox 6">
+            <a:hlinkClick r:id="rId2" action="ppaction://hlinksldjump"/>
+            <a:extLst>
+              <a:ext uri="{FF2B5EF4-FFF2-40B4-BE49-F238E27FC236}">
+                <a16:creationId xmlns:a16="http://schemas.microsoft.com/office/drawing/2014/main" id="{44B1B476-7977-2748-AB5F-078F426C729B}"/>
+              </a:ext>
+            </a:extLst>
+          </p:cNvPr>
+          <p:cNvSpPr txBox="1"/>
+          <p:nvPr/>
+        </p:nvSpPr>
+        <p:spPr>
+          <a:xfrm>
+            <a:off x="1364918" y="230469"/>
+            <a:ext cx="2286000" cy="278534"/>
+          </a:xfrm>
+          <a:prstGeom prst="rect">
+            <a:avLst/>
+          </a:prstGeom>
+        </p:spPr>
+        <p:txBody>
+          <a:bodyPr vert="horz" wrap="square" lIns="91440" tIns="45720" rIns="91440" bIns="45720" rtlCol="0" anchor="ctr">
+            <a:noAutofit/>
+          </a:bodyPr>
+          <a:lstStyle/>
+          <a:p>
+            <a:pPr algn="ctr"/>
+            <a:r>
+              <a:rPr lang="en-GB" sz="1400" b="1" dirty="0">
+                <a:solidFill>
+                  <a:schemeClr val="tx1">
+                    <a:lumMod val="50000"/>
+                    <a:lumOff val="50000"/>
+                  </a:schemeClr>
+                </a:solidFill>
+                <a:latin typeface="Tahoma" panose="020B0604030504040204" pitchFamily="34" charset="0"/>
+                <a:ea typeface="Tahoma" panose="020B0604030504040204" pitchFamily="34" charset="0"/>
+                <a:cs typeface="Tahoma" panose="020B0604030504040204" pitchFamily="34" charset="0"/>
+              </a:rPr>
+              <a:t>General Approach</a:t>
+            </a:r>
+          </a:p>
+        </p:txBody>
+      </p:sp>
+      <p:sp>
+        <p:nvSpPr>
+          <p:cNvPr id="8" name="TextBox 7">
+            <a:hlinkClick r:id="rId3" action="ppaction://hlinksldjump"/>
+            <a:extLst>
+              <a:ext uri="{FF2B5EF4-FFF2-40B4-BE49-F238E27FC236}">
+                <a16:creationId xmlns:a16="http://schemas.microsoft.com/office/drawing/2014/main" id="{7A30DA38-E0B4-4F4B-815B-774B6C9C495C}"/>
+              </a:ext>
+            </a:extLst>
+          </p:cNvPr>
+          <p:cNvSpPr txBox="1"/>
+          <p:nvPr/>
+        </p:nvSpPr>
+        <p:spPr>
+          <a:xfrm>
+            <a:off x="4953000" y="230469"/>
+            <a:ext cx="2286000" cy="278534"/>
+          </a:xfrm>
+          <a:prstGeom prst="rect">
+            <a:avLst/>
+          </a:prstGeom>
+        </p:spPr>
+        <p:txBody>
+          <a:bodyPr vert="horz" wrap="square" lIns="91440" tIns="45720" rIns="91440" bIns="45720" rtlCol="0" anchor="ctr">
+            <a:noAutofit/>
+          </a:bodyPr>
+          <a:lstStyle/>
+          <a:p>
+            <a:pPr algn="ctr"/>
+            <a:r>
+              <a:rPr lang="en-GB" sz="1400" b="1" dirty="0">
+                <a:solidFill>
+                  <a:schemeClr val="bg1"/>
+                </a:solidFill>
+                <a:latin typeface="Tahoma" panose="020B0604030504040204" pitchFamily="34" charset="0"/>
+                <a:ea typeface="Tahoma" panose="020B0604030504040204" pitchFamily="34" charset="0"/>
+                <a:cs typeface="Tahoma" panose="020B0604030504040204" pitchFamily="34" charset="0"/>
+              </a:rPr>
+              <a:t>Model Selection</a:t>
+            </a:r>
+          </a:p>
+        </p:txBody>
+      </p:sp>
+      <p:sp>
+        <p:nvSpPr>
+          <p:cNvPr id="9" name="TextBox 8">
+            <a:hlinkClick r:id="" action="ppaction://noaction"/>
+            <a:extLst>
+              <a:ext uri="{FF2B5EF4-FFF2-40B4-BE49-F238E27FC236}">
+                <a16:creationId xmlns:a16="http://schemas.microsoft.com/office/drawing/2014/main" id="{D6F2DB02-F109-2142-890D-88AD313A10E8}"/>
+              </a:ext>
+            </a:extLst>
+          </p:cNvPr>
+          <p:cNvSpPr txBox="1"/>
+          <p:nvPr/>
+        </p:nvSpPr>
+        <p:spPr>
+          <a:xfrm>
+            <a:off x="8541082" y="228004"/>
+            <a:ext cx="2286000" cy="283464"/>
+          </a:xfrm>
+          <a:prstGeom prst="rect">
+            <a:avLst/>
+          </a:prstGeom>
+        </p:spPr>
+        <p:txBody>
+          <a:bodyPr vert="horz" wrap="square" lIns="91440" tIns="45720" rIns="91440" bIns="45720" rtlCol="0" anchor="ctr">
+            <a:noAutofit/>
+          </a:bodyPr>
+          <a:lstStyle/>
+          <a:p>
+            <a:pPr algn="ctr"/>
+            <a:r>
+              <a:rPr lang="en-GB" sz="1400" b="1" dirty="0">
+                <a:solidFill>
+                  <a:schemeClr val="tx1">
+                    <a:lumMod val="50000"/>
+                    <a:lumOff val="50000"/>
+                  </a:schemeClr>
+                </a:solidFill>
+                <a:latin typeface="Tahoma" panose="020B0604030504040204" pitchFamily="34" charset="0"/>
+                <a:ea typeface="Tahoma" panose="020B0604030504040204" pitchFamily="34" charset="0"/>
+                <a:cs typeface="Tahoma" panose="020B0604030504040204" pitchFamily="34" charset="0"/>
+              </a:rPr>
+              <a:t>Tuning Parameters</a:t>
+            </a:r>
+          </a:p>
+        </p:txBody>
+      </p:sp>
+    </p:spTree>
+    <p:extLst>
+      <p:ext uri="{BB962C8B-B14F-4D97-AF65-F5344CB8AC3E}">
+        <p14:creationId xmlns:p14="http://schemas.microsoft.com/office/powerpoint/2010/main" val="3781216248"/>
+      </p:ext>
+    </p:extLst>
+  </p:cSld>
+  <p:clrMapOvr>
+    <a:masterClrMapping/>
+  </p:clrMapOvr>
+</p:sld>
+</file>
+
+<file path=ppt/slides/slide5.xml><?xml version="1.0" encoding="utf-8"?>
+<p:sld xmlns:a="http://schemas.openxmlformats.org/drawingml/2006/main" xmlns:r="http://schemas.openxmlformats.org/officeDocument/2006/relationships" xmlns:p="http://schemas.openxmlformats.org/presentationml/2006/main">
+  <p:cSld>
+    <p:spTree>
+      <p:nvGrpSpPr>
+        <p:cNvPr id="1" name=""/>
+        <p:cNvGrpSpPr/>
+        <p:nvPr/>
+      </p:nvGrpSpPr>
+      <p:grpSpPr>
+        <a:xfrm>
+          <a:off x="0" y="0"/>
+          <a:ext cx="0" cy="0"/>
+          <a:chOff x="0" y="0"/>
+          <a:chExt cx="0" cy="0"/>
+        </a:xfrm>
+      </p:grpSpPr>
+      <p:sp>
+        <p:nvSpPr>
+          <p:cNvPr id="2" name="Title 1">
+            <a:extLst>
+              <a:ext uri="{FF2B5EF4-FFF2-40B4-BE49-F238E27FC236}">
+                <a16:creationId xmlns:a16="http://schemas.microsoft.com/office/drawing/2014/main" id="{02A2C371-A83D-3F47-9F42-C3C772A09CD6}"/>
+              </a:ext>
+            </a:extLst>
+          </p:cNvPr>
+          <p:cNvSpPr>
+            <a:spLocks noGrp="1"/>
+          </p:cNvSpPr>
+          <p:nvPr>
+            <p:ph type="title"/>
+          </p:nvPr>
+        </p:nvSpPr>
+        <p:spPr/>
+        <p:txBody>
+          <a:bodyPr/>
+          <a:lstStyle/>
+          <a:p>
+            <a:r>
+              <a:rPr lang="en-US" dirty="0"/>
+              <a:t>Tuning Parameters</a:t>
+            </a:r>
+          </a:p>
+        </p:txBody>
+      </p:sp>
+      <p:sp>
+        <p:nvSpPr>
+          <p:cNvPr id="3" name="Content Placeholder 2">
+            <a:extLst>
+              <a:ext uri="{FF2B5EF4-FFF2-40B4-BE49-F238E27FC236}">
+                <a16:creationId xmlns:a16="http://schemas.microsoft.com/office/drawing/2014/main" id="{1352AF56-4586-C949-8FD3-F6317723EA9F}"/>
+              </a:ext>
+            </a:extLst>
+          </p:cNvPr>
+          <p:cNvSpPr>
+            <a:spLocks noGrp="1"/>
+          </p:cNvSpPr>
+          <p:nvPr>
+            <p:ph idx="1"/>
+          </p:nvPr>
+        </p:nvSpPr>
+        <p:spPr>
+          <a:xfrm>
+            <a:off x="838200" y="1825625"/>
+            <a:ext cx="10515600" cy="3368167"/>
+          </a:xfrm>
+        </p:spPr>
+        <p:txBody>
+          <a:bodyPr anchor="ctr"/>
+          <a:lstStyle/>
+          <a:p>
+            <a:r>
+              <a:rPr lang="en-US" dirty="0"/>
+              <a:t>Window Size (for Model 2)</a:t>
+            </a:r>
+          </a:p>
+          <a:p>
+            <a:r>
+              <a:rPr lang="en-US" dirty="0"/>
+              <a:t>Window Step Size (for Model 2)</a:t>
+            </a:r>
+          </a:p>
+          <a:p>
+            <a:endParaRPr lang="en-US" dirty="0"/>
+          </a:p>
+          <a:p>
+            <a:r>
+              <a:rPr lang="en-US" dirty="0"/>
+              <a:t>Probability Threshold for Model 1 (S-Prob) – Used in Detector Script</a:t>
+            </a:r>
+          </a:p>
+          <a:p>
+            <a:r>
+              <a:rPr lang="en-US" dirty="0"/>
+              <a:t>Probability Threshold for Model 2 (P-Prob) – Used in Detector Script</a:t>
+            </a:r>
+          </a:p>
+        </p:txBody>
+      </p:sp>
+      <p:sp>
+        <p:nvSpPr>
+          <p:cNvPr id="4" name="Date Placeholder 3">
+            <a:extLst>
+              <a:ext uri="{FF2B5EF4-FFF2-40B4-BE49-F238E27FC236}">
+                <a16:creationId xmlns:a16="http://schemas.microsoft.com/office/drawing/2014/main" id="{A5D99A05-3872-8242-A9C5-F3A5D025EB19}"/>
+              </a:ext>
+            </a:extLst>
+          </p:cNvPr>
+          <p:cNvSpPr>
+            <a:spLocks noGrp="1"/>
+          </p:cNvSpPr>
+          <p:nvPr>
+            <p:ph type="dt" sz="half" idx="10"/>
+          </p:nvPr>
+        </p:nvSpPr>
+        <p:spPr/>
+        <p:txBody>
+          <a:bodyPr/>
+          <a:lstStyle/>
+          <a:p>
+            <a:fld id="{C56F6960-91EC-3141-AA2A-8A719A32A9B2}" type="datetime4">
+              <a:rPr lang="en-US" smtClean="0"/>
+              <a:t>March 15, 2022</a:t>
+            </a:fld>
+            <a:endParaRPr lang="en-US"/>
+          </a:p>
+        </p:txBody>
+      </p:sp>
+      <p:sp>
+        <p:nvSpPr>
+          <p:cNvPr id="5" name="Footer Placeholder 4">
+            <a:extLst>
+              <a:ext uri="{FF2B5EF4-FFF2-40B4-BE49-F238E27FC236}">
+                <a16:creationId xmlns:a16="http://schemas.microsoft.com/office/drawing/2014/main" id="{7E90A789-2A82-FA4E-BAD8-ADD3B9D48513}"/>
+              </a:ext>
+            </a:extLst>
+          </p:cNvPr>
+          <p:cNvSpPr>
+            <a:spLocks noGrp="1"/>
+          </p:cNvSpPr>
+          <p:nvPr>
+            <p:ph type="ftr" sz="quarter" idx="11"/>
+          </p:nvPr>
+        </p:nvSpPr>
+        <p:spPr/>
+        <p:txBody>
+          <a:bodyPr/>
+          <a:lstStyle/>
+          <a:p>
+            <a:r>
+              <a:rPr lang="en-US" dirty="0"/>
+              <a:t>Team 1</a:t>
+            </a:r>
+          </a:p>
+        </p:txBody>
+      </p:sp>
+      <p:sp>
+        <p:nvSpPr>
+          <p:cNvPr id="6" name="Slide Number Placeholder 5">
+            <a:extLst>
+              <a:ext uri="{FF2B5EF4-FFF2-40B4-BE49-F238E27FC236}">
+                <a16:creationId xmlns:a16="http://schemas.microsoft.com/office/drawing/2014/main" id="{3B3FA135-4D8A-9A4A-904F-1F8473ED7882}"/>
+              </a:ext>
+            </a:extLst>
+          </p:cNvPr>
+          <p:cNvSpPr>
+            <a:spLocks noGrp="1"/>
+          </p:cNvSpPr>
+          <p:nvPr>
+            <p:ph type="sldNum" sz="quarter" idx="12"/>
+          </p:nvPr>
+        </p:nvSpPr>
+        <p:spPr/>
+        <p:txBody>
+          <a:bodyPr/>
+          <a:lstStyle/>
+          <a:p>
+            <a:fld id="{FCCF9DFD-C425-8648-8F0F-DD3A8B4D0547}" type="slidenum">
+              <a:rPr lang="en-US" smtClean="0"/>
+              <a:pPr/>
+              <a:t>5</a:t>
+            </a:fld>
+            <a:endParaRPr lang="en-US"/>
+          </a:p>
+        </p:txBody>
+      </p:sp>
+      <p:sp>
+        <p:nvSpPr>
+          <p:cNvPr id="7" name="TextBox 6">
+            <a:hlinkClick r:id="rId3" action="ppaction://hlinksldjump"/>
+            <a:extLst>
+              <a:ext uri="{FF2B5EF4-FFF2-40B4-BE49-F238E27FC236}">
+                <a16:creationId xmlns:a16="http://schemas.microsoft.com/office/drawing/2014/main" id="{414A6CC1-A8A4-C946-8DD4-B390A80B92F6}"/>
+              </a:ext>
+            </a:extLst>
+          </p:cNvPr>
+          <p:cNvSpPr txBox="1"/>
+          <p:nvPr/>
+        </p:nvSpPr>
+        <p:spPr>
+          <a:xfrm>
+            <a:off x="1364918" y="230469"/>
+            <a:ext cx="2286000" cy="278534"/>
+          </a:xfrm>
+          <a:prstGeom prst="rect">
+            <a:avLst/>
+          </a:prstGeom>
+        </p:spPr>
+        <p:txBody>
+          <a:bodyPr vert="horz" wrap="square" lIns="91440" tIns="45720" rIns="91440" bIns="45720" rtlCol="0" anchor="ctr">
+            <a:noAutofit/>
+          </a:bodyPr>
+          <a:lstStyle/>
+          <a:p>
+            <a:pPr algn="ctr"/>
+            <a:r>
+              <a:rPr lang="en-GB" sz="1400" b="1" dirty="0">
+                <a:solidFill>
+                  <a:schemeClr val="tx1">
+                    <a:lumMod val="50000"/>
+                    <a:lumOff val="50000"/>
+                  </a:schemeClr>
+                </a:solidFill>
+                <a:latin typeface="Tahoma" panose="020B0604030504040204" pitchFamily="34" charset="0"/>
+                <a:ea typeface="Tahoma" panose="020B0604030504040204" pitchFamily="34" charset="0"/>
+                <a:cs typeface="Tahoma" panose="020B0604030504040204" pitchFamily="34" charset="0"/>
+              </a:rPr>
+              <a:t>General Approach</a:t>
+            </a:r>
+          </a:p>
+        </p:txBody>
+      </p:sp>
+      <p:sp>
+        <p:nvSpPr>
+          <p:cNvPr id="8" name="TextBox 7">
+            <a:hlinkClick r:id="rId4" action="ppaction://hlinksldjump"/>
+            <a:extLst>
+              <a:ext uri="{FF2B5EF4-FFF2-40B4-BE49-F238E27FC236}">
+                <a16:creationId xmlns:a16="http://schemas.microsoft.com/office/drawing/2014/main" id="{4F73036E-2DA5-B34A-A329-C97AA0F438D2}"/>
+              </a:ext>
+            </a:extLst>
+          </p:cNvPr>
+          <p:cNvSpPr txBox="1"/>
+          <p:nvPr/>
+        </p:nvSpPr>
+        <p:spPr>
+          <a:xfrm>
+            <a:off x="4953000" y="230469"/>
+            <a:ext cx="2286000" cy="278534"/>
+          </a:xfrm>
+          <a:prstGeom prst="rect">
+            <a:avLst/>
+          </a:prstGeom>
+        </p:spPr>
+        <p:txBody>
+          <a:bodyPr vert="horz" wrap="square" lIns="91440" tIns="45720" rIns="91440" bIns="45720" rtlCol="0" anchor="ctr">
+            <a:noAutofit/>
+          </a:bodyPr>
+          <a:lstStyle/>
+          <a:p>
+            <a:pPr algn="ctr"/>
+            <a:r>
+              <a:rPr lang="en-GB" sz="1400" b="1" dirty="0">
+                <a:solidFill>
+                  <a:schemeClr val="tx1">
+                    <a:lumMod val="50000"/>
+                    <a:lumOff val="50000"/>
+                  </a:schemeClr>
+                </a:solidFill>
+                <a:latin typeface="Tahoma" panose="020B0604030504040204" pitchFamily="34" charset="0"/>
+                <a:ea typeface="Tahoma" panose="020B0604030504040204" pitchFamily="34" charset="0"/>
+                <a:cs typeface="Tahoma" panose="020B0604030504040204" pitchFamily="34" charset="0"/>
+              </a:rPr>
+              <a:t>Model Selection</a:t>
+            </a:r>
+          </a:p>
+        </p:txBody>
+      </p:sp>
+      <p:sp>
+        <p:nvSpPr>
+          <p:cNvPr id="9" name="TextBox 8">
+            <a:hlinkClick r:id="" action="ppaction://noaction"/>
+            <a:extLst>
+              <a:ext uri="{FF2B5EF4-FFF2-40B4-BE49-F238E27FC236}">
+                <a16:creationId xmlns:a16="http://schemas.microsoft.com/office/drawing/2014/main" id="{49BD2EF2-AC8C-EC41-99BF-947FD6357590}"/>
+              </a:ext>
+            </a:extLst>
+          </p:cNvPr>
+          <p:cNvSpPr txBox="1"/>
+          <p:nvPr/>
+        </p:nvSpPr>
+        <p:spPr>
+          <a:xfrm>
+            <a:off x="8541082" y="228004"/>
+            <a:ext cx="2286000" cy="283464"/>
+          </a:xfrm>
+          <a:prstGeom prst="rect">
+            <a:avLst/>
+          </a:prstGeom>
+        </p:spPr>
+        <p:txBody>
+          <a:bodyPr vert="horz" wrap="square" lIns="91440" tIns="45720" rIns="91440" bIns="45720" rtlCol="0" anchor="ctr">
+            <a:noAutofit/>
+          </a:bodyPr>
+          <a:lstStyle/>
+          <a:p>
+            <a:pPr algn="ctr"/>
+            <a:r>
+              <a:rPr lang="en-GB" sz="1400" b="1" dirty="0">
+                <a:solidFill>
+                  <a:schemeClr val="bg1"/>
+                </a:solidFill>
+                <a:latin typeface="Tahoma" panose="020B0604030504040204" pitchFamily="34" charset="0"/>
+                <a:ea typeface="Tahoma" panose="020B0604030504040204" pitchFamily="34" charset="0"/>
+                <a:cs typeface="Tahoma" panose="020B0604030504040204" pitchFamily="34" charset="0"/>
+              </a:rPr>
+              <a:t>Tuning Parameters</a:t>
+            </a:r>
+          </a:p>
+        </p:txBody>
+      </p:sp>
+    </p:spTree>
+    <p:extLst>
+      <p:ext uri="{BB962C8B-B14F-4D97-AF65-F5344CB8AC3E}">
+        <p14:creationId xmlns:p14="http://schemas.microsoft.com/office/powerpoint/2010/main" val="2865325274"/>
+      </p:ext>
+    </p:extLst>
+  </p:cSld>
+  <p:clrMapOvr>
+    <a:masterClrMapping/>
+  </p:clrMapOvr>
+</p:sld>
+</file>
+
+<file path=ppt/slides/slide6.xml><?xml version="1.0" encoding="utf-8"?>
+<p:sld xmlns:a="http://schemas.openxmlformats.org/drawingml/2006/main" xmlns:r="http://schemas.openxmlformats.org/officeDocument/2006/relationships" xmlns:p="http://schemas.openxmlformats.org/presentationml/2006/main">
+  <p:cSld>
+    <p:spTree>
+      <p:nvGrpSpPr>
+        <p:cNvPr id="1" name=""/>
+        <p:cNvGrpSpPr/>
+        <p:nvPr/>
+      </p:nvGrpSpPr>
+      <p:grpSpPr>
+        <a:xfrm>
+          <a:off x="0" y="0"/>
+          <a:ext cx="0" cy="0"/>
+          <a:chOff x="0" y="0"/>
+          <a:chExt cx="0" cy="0"/>
+        </a:xfrm>
+      </p:grpSpPr>
+      <p:sp>
+        <p:nvSpPr>
+          <p:cNvPr id="2" name="Title 1">
+            <a:extLst>
+              <a:ext uri="{FF2B5EF4-FFF2-40B4-BE49-F238E27FC236}">
+                <a16:creationId xmlns:a16="http://schemas.microsoft.com/office/drawing/2014/main" id="{B3C8A03D-8067-3347-BE75-4A85E7138DCF}"/>
+              </a:ext>
+            </a:extLst>
+          </p:cNvPr>
+          <p:cNvSpPr>
+            <a:spLocks noGrp="1"/>
+          </p:cNvSpPr>
+          <p:nvPr>
+            <p:ph type="title"/>
+          </p:nvPr>
+        </p:nvSpPr>
+        <p:spPr/>
+        <p:txBody>
+          <a:bodyPr/>
+          <a:lstStyle/>
+          <a:p>
+            <a:r>
+              <a:rPr lang="en-US" dirty="0"/>
+              <a:t>Optimizing Detector Script</a:t>
+            </a:r>
+          </a:p>
+        </p:txBody>
+      </p:sp>
+      <p:sp>
+        <p:nvSpPr>
+          <p:cNvPr id="4" name="Date Placeholder 3">
+            <a:extLst>
+              <a:ext uri="{FF2B5EF4-FFF2-40B4-BE49-F238E27FC236}">
+                <a16:creationId xmlns:a16="http://schemas.microsoft.com/office/drawing/2014/main" id="{10AEFF07-8B30-2045-9F04-A7C3A6C75A9B}"/>
+              </a:ext>
+            </a:extLst>
+          </p:cNvPr>
+          <p:cNvSpPr>
+            <a:spLocks noGrp="1"/>
+          </p:cNvSpPr>
+          <p:nvPr>
+            <p:ph type="dt" sz="half" idx="10"/>
+          </p:nvPr>
+        </p:nvSpPr>
+        <p:spPr/>
+        <p:txBody>
+          <a:bodyPr/>
+          <a:lstStyle/>
+          <a:p>
+            <a:fld id="{C56F6960-91EC-3141-AA2A-8A719A32A9B2}" type="datetime4">
+              <a:rPr lang="en-US" smtClean="0"/>
+              <a:t>March 15, 2022</a:t>
+            </a:fld>
+            <a:endParaRPr lang="en-US"/>
+          </a:p>
+        </p:txBody>
+      </p:sp>
+      <p:sp>
+        <p:nvSpPr>
+          <p:cNvPr id="5" name="Footer Placeholder 4">
+            <a:extLst>
+              <a:ext uri="{FF2B5EF4-FFF2-40B4-BE49-F238E27FC236}">
+                <a16:creationId xmlns:a16="http://schemas.microsoft.com/office/drawing/2014/main" id="{B08C6B7E-8543-E844-8003-CBA6385CBC12}"/>
+              </a:ext>
+            </a:extLst>
+          </p:cNvPr>
+          <p:cNvSpPr>
+            <a:spLocks noGrp="1"/>
+          </p:cNvSpPr>
+          <p:nvPr>
+            <p:ph type="ftr" sz="quarter" idx="11"/>
+          </p:nvPr>
+        </p:nvSpPr>
+        <p:spPr/>
+        <p:txBody>
+          <a:bodyPr/>
+          <a:lstStyle/>
+          <a:p>
+            <a:r>
+              <a:rPr lang="en-US" dirty="0"/>
+              <a:t>Team 1</a:t>
+            </a:r>
+          </a:p>
+        </p:txBody>
+      </p:sp>
+      <p:sp>
+        <p:nvSpPr>
+          <p:cNvPr id="6" name="Slide Number Placeholder 5">
+            <a:extLst>
+              <a:ext uri="{FF2B5EF4-FFF2-40B4-BE49-F238E27FC236}">
+                <a16:creationId xmlns:a16="http://schemas.microsoft.com/office/drawing/2014/main" id="{68C884B7-8415-E344-9569-F544AB1501C1}"/>
+              </a:ext>
+            </a:extLst>
+          </p:cNvPr>
+          <p:cNvSpPr>
+            <a:spLocks noGrp="1"/>
+          </p:cNvSpPr>
+          <p:nvPr>
+            <p:ph type="sldNum" sz="quarter" idx="12"/>
+          </p:nvPr>
+        </p:nvSpPr>
+        <p:spPr/>
+        <p:txBody>
+          <a:bodyPr/>
+          <a:lstStyle/>
+          <a:p>
+            <a:fld id="{FCCF9DFD-C425-8648-8F0F-DD3A8B4D0547}" type="slidenum">
+              <a:rPr lang="en-US" smtClean="0"/>
+              <a:pPr/>
+              <a:t>6</a:t>
+            </a:fld>
+            <a:endParaRPr lang="en-US"/>
+          </a:p>
+        </p:txBody>
+      </p:sp>
+      <p:sp>
+        <p:nvSpPr>
+          <p:cNvPr id="8" name="Content Placeholder 7">
+            <a:extLst>
+              <a:ext uri="{FF2B5EF4-FFF2-40B4-BE49-F238E27FC236}">
+                <a16:creationId xmlns:a16="http://schemas.microsoft.com/office/drawing/2014/main" id="{AF2D1237-BC27-614D-808A-D02C2D69E250}"/>
+              </a:ext>
+            </a:extLst>
+          </p:cNvPr>
+          <p:cNvSpPr>
+            <a:spLocks noGrp="1"/>
+          </p:cNvSpPr>
+          <p:nvPr>
+            <p:ph idx="1"/>
+          </p:nvPr>
+        </p:nvSpPr>
+        <p:spPr/>
+        <p:txBody>
+          <a:bodyPr/>
+          <a:lstStyle/>
+          <a:p>
+            <a:r>
+              <a:rPr lang="en-US" dirty="0"/>
+              <a:t>//x-y-z plot </a:t>
+            </a:r>
+          </a:p>
+        </p:txBody>
+      </p:sp>
+      <p:sp>
+        <p:nvSpPr>
+          <p:cNvPr id="9" name="TextBox 8">
+            <a:hlinkClick r:id="rId2" action="ppaction://hlinksldjump"/>
+            <a:extLst>
+              <a:ext uri="{FF2B5EF4-FFF2-40B4-BE49-F238E27FC236}">
+                <a16:creationId xmlns:a16="http://schemas.microsoft.com/office/drawing/2014/main" id="{78F51A02-590D-E749-91C4-EFEB44688AD0}"/>
+              </a:ext>
+            </a:extLst>
+          </p:cNvPr>
+          <p:cNvSpPr txBox="1"/>
+          <p:nvPr/>
+        </p:nvSpPr>
+        <p:spPr>
+          <a:xfrm>
+            <a:off x="1364918" y="230469"/>
+            <a:ext cx="2286000" cy="278534"/>
+          </a:xfrm>
+          <a:prstGeom prst="rect">
+            <a:avLst/>
+          </a:prstGeom>
+        </p:spPr>
+        <p:txBody>
+          <a:bodyPr vert="horz" wrap="square" lIns="91440" tIns="45720" rIns="91440" bIns="45720" rtlCol="0" anchor="ctr">
+            <a:noAutofit/>
+          </a:bodyPr>
+          <a:lstStyle/>
+          <a:p>
+            <a:pPr algn="ctr"/>
+            <a:r>
+              <a:rPr lang="en-GB" sz="1400" b="1" dirty="0">
+                <a:solidFill>
+                  <a:schemeClr val="tx1">
+                    <a:lumMod val="50000"/>
+                    <a:lumOff val="50000"/>
+                  </a:schemeClr>
+                </a:solidFill>
+                <a:latin typeface="Tahoma" panose="020B0604030504040204" pitchFamily="34" charset="0"/>
+                <a:ea typeface="Tahoma" panose="020B0604030504040204" pitchFamily="34" charset="0"/>
+                <a:cs typeface="Tahoma" panose="020B0604030504040204" pitchFamily="34" charset="0"/>
+              </a:rPr>
+              <a:t>General Approach</a:t>
+            </a:r>
+          </a:p>
+        </p:txBody>
+      </p:sp>
+      <p:sp>
+        <p:nvSpPr>
+          <p:cNvPr id="10" name="TextBox 9">
+            <a:hlinkClick r:id="rId3" action="ppaction://hlinksldjump"/>
+            <a:extLst>
+              <a:ext uri="{FF2B5EF4-FFF2-40B4-BE49-F238E27FC236}">
+                <a16:creationId xmlns:a16="http://schemas.microsoft.com/office/drawing/2014/main" id="{F5B3A34B-BCAD-7343-9A82-16B8065A7079}"/>
+              </a:ext>
+            </a:extLst>
+          </p:cNvPr>
+          <p:cNvSpPr txBox="1"/>
+          <p:nvPr/>
+        </p:nvSpPr>
+        <p:spPr>
+          <a:xfrm>
+            <a:off x="4953000" y="230469"/>
+            <a:ext cx="2286000" cy="278534"/>
+          </a:xfrm>
+          <a:prstGeom prst="rect">
+            <a:avLst/>
+          </a:prstGeom>
+        </p:spPr>
+        <p:txBody>
+          <a:bodyPr vert="horz" wrap="square" lIns="91440" tIns="45720" rIns="91440" bIns="45720" rtlCol="0" anchor="ctr">
+            <a:noAutofit/>
+          </a:bodyPr>
+          <a:lstStyle/>
+          <a:p>
+            <a:pPr algn="ctr"/>
+            <a:r>
+              <a:rPr lang="en-GB" sz="1400" b="1" dirty="0">
+                <a:solidFill>
+                  <a:schemeClr val="tx1">
+                    <a:lumMod val="50000"/>
+                    <a:lumOff val="50000"/>
+                  </a:schemeClr>
+                </a:solidFill>
+                <a:latin typeface="Tahoma" panose="020B0604030504040204" pitchFamily="34" charset="0"/>
+                <a:ea typeface="Tahoma" panose="020B0604030504040204" pitchFamily="34" charset="0"/>
+                <a:cs typeface="Tahoma" panose="020B0604030504040204" pitchFamily="34" charset="0"/>
+              </a:rPr>
+              <a:t>Model Selection</a:t>
+            </a:r>
+          </a:p>
+        </p:txBody>
+      </p:sp>
+      <p:sp>
+        <p:nvSpPr>
+          <p:cNvPr id="11" name="TextBox 10">
+            <a:hlinkClick r:id="" action="ppaction://noaction"/>
+            <a:extLst>
+              <a:ext uri="{FF2B5EF4-FFF2-40B4-BE49-F238E27FC236}">
+                <a16:creationId xmlns:a16="http://schemas.microsoft.com/office/drawing/2014/main" id="{09339970-5F7F-9A4A-997E-F846727690B5}"/>
+              </a:ext>
+            </a:extLst>
+          </p:cNvPr>
+          <p:cNvSpPr txBox="1"/>
+          <p:nvPr/>
+        </p:nvSpPr>
+        <p:spPr>
+          <a:xfrm>
+            <a:off x="8541082" y="228004"/>
+            <a:ext cx="2286000" cy="283464"/>
+          </a:xfrm>
+          <a:prstGeom prst="rect">
+            <a:avLst/>
+          </a:prstGeom>
+        </p:spPr>
+        <p:txBody>
+          <a:bodyPr vert="horz" wrap="square" lIns="91440" tIns="45720" rIns="91440" bIns="45720" rtlCol="0" anchor="ctr">
+            <a:noAutofit/>
+          </a:bodyPr>
+          <a:lstStyle/>
+          <a:p>
+            <a:pPr algn="ctr"/>
+            <a:r>
+              <a:rPr lang="en-GB" sz="1400" b="1" dirty="0">
+                <a:solidFill>
+                  <a:schemeClr val="bg1"/>
+                </a:solidFill>
+                <a:latin typeface="Tahoma" panose="020B0604030504040204" pitchFamily="34" charset="0"/>
+                <a:ea typeface="Tahoma" panose="020B0604030504040204" pitchFamily="34" charset="0"/>
+                <a:cs typeface="Tahoma" panose="020B0604030504040204" pitchFamily="34" charset="0"/>
+              </a:rPr>
+              <a:t>Tuning Parameters</a:t>
+            </a:r>
           </a:p>
         </p:txBody>
       </p:sp>
